--- a/presentations/02_01_Helm_Chart.pptx
+++ b/presentations/02_01_Helm_Chart.pptx
@@ -5,10 +5,10 @@
     <p:sldMasterId id="2147484030" r:id="rId5"/>
   </p:sldMasterIdLst>
   <p:notesMasterIdLst>
-    <p:notesMasterId r:id="rId34"/>
+    <p:notesMasterId r:id="rId30"/>
   </p:notesMasterIdLst>
   <p:handoutMasterIdLst>
-    <p:handoutMasterId r:id="rId35"/>
+    <p:handoutMasterId r:id="rId31"/>
   </p:handoutMasterIdLst>
   <p:sldIdLst>
     <p:sldId id="10465" r:id="rId6"/>
@@ -34,16 +34,12 @@
     <p:sldId id="10609" r:id="rId26"/>
     <p:sldId id="10610" r:id="rId27"/>
     <p:sldId id="10612" r:id="rId28"/>
-    <p:sldId id="10615" r:id="rId29"/>
-    <p:sldId id="10590" r:id="rId30"/>
-    <p:sldId id="10613" r:id="rId31"/>
-    <p:sldId id="10579" r:id="rId32"/>
-    <p:sldId id="10536" r:id="rId33"/>
+    <p:sldId id="10536" r:id="rId29"/>
   </p:sldIdLst>
   <p:sldSz cx="9144000" cy="5143500" type="screen16x9"/>
   <p:notesSz cx="9931400" cy="6794500"/>
   <p:custDataLst>
-    <p:tags r:id="rId36"/>
+    <p:tags r:id="rId32"/>
   </p:custDataLst>
   <p:defaultTextStyle>
     <a:defPPr>
@@ -12229,1390 +12225,6 @@
 </p:notes>
 </file>
 
-<file path=ppt/notesSlides/notesSlide20.xml><?xml version="1.0" encoding="utf-8"?>
-<p:notes xmlns:a="http://schemas.openxmlformats.org/drawingml/2006/main" xmlns:r="http://schemas.openxmlformats.org/officeDocument/2006/relationships" xmlns:p="http://schemas.openxmlformats.org/presentationml/2006/main">
-  <p:cSld>
-    <p:spTree>
-      <p:nvGrpSpPr>
-        <p:cNvPr id="1" name=""/>
-        <p:cNvGrpSpPr/>
-        <p:nvPr/>
-      </p:nvGrpSpPr>
-      <p:grpSpPr>
-        <a:xfrm>
-          <a:off x="0" y="0"/>
-          <a:ext cx="0" cy="0"/>
-          <a:chOff x="0" y="0"/>
-          <a:chExt cx="0" cy="0"/>
-        </a:xfrm>
-      </p:grpSpPr>
-      <p:sp>
-        <p:nvSpPr>
-          <p:cNvPr id="2" name="Folienbildplatzhalter 1"/>
-          <p:cNvSpPr>
-            <a:spLocks noGrp="1" noRot="1" noChangeAspect="1"/>
-          </p:cNvSpPr>
-          <p:nvPr>
-            <p:ph type="sldImg"/>
-          </p:nvPr>
-        </p:nvSpPr>
-        <p:spPr/>
-      </p:sp>
-      <p:sp>
-        <p:nvSpPr>
-          <p:cNvPr id="3" name="Notizenplatzhalter 2"/>
-          <p:cNvSpPr>
-            <a:spLocks noGrp="1"/>
-          </p:cNvSpPr>
-          <p:nvPr>
-            <p:ph type="body" idx="1"/>
-          </p:nvPr>
-        </p:nvSpPr>
-        <p:spPr/>
-        <p:txBody>
-          <a:bodyPr/>
-          <a:lstStyle/>
-          <a:p>
-            <a:pPr algn="l">
-              <a:buFont typeface="Arial" panose="020B0604020202020204" pitchFamily="34" charset="0"/>
-              <a:buChar char="•"/>
-            </a:pPr>
-            <a:r>
-              <a:rPr lang="de-CH" b="0" i="0" dirty="0">
-                <a:solidFill>
-                  <a:srgbClr val="333333"/>
-                </a:solidFill>
-                <a:effectLst/>
-                <a:latin typeface="Public Sans"/>
-              </a:rPr>
-              <a:t>CLI  </a:t>
-            </a:r>
-            <a:r>
-              <a:rPr lang="de-CH" b="0" i="0" dirty="0" err="1">
-                <a:solidFill>
-                  <a:srgbClr val="333333"/>
-                </a:solidFill>
-                <a:effectLst/>
-                <a:latin typeface="Public Sans"/>
-              </a:rPr>
-              <a:t>chart</a:t>
-            </a:r>
-            <a:r>
-              <a:rPr lang="de-CH" b="0" i="0" dirty="0">
-                <a:solidFill>
-                  <a:srgbClr val="333333"/>
-                </a:solidFill>
-                <a:effectLst/>
-                <a:latin typeface="Public Sans"/>
-              </a:rPr>
-              <a:t> = Templates Files</a:t>
-            </a:r>
-          </a:p>
-          <a:p>
-            <a:pPr algn="l">
-              <a:buFont typeface="Arial" panose="020B0604020202020204" pitchFamily="34" charset="0"/>
-              <a:buChar char="•"/>
-            </a:pPr>
-            <a:r>
-              <a:rPr lang="de-CH" b="0" i="0" dirty="0" err="1">
-                <a:solidFill>
-                  <a:srgbClr val="333333"/>
-                </a:solidFill>
-                <a:effectLst/>
-                <a:latin typeface="Public Sans"/>
-              </a:rPr>
-              <a:t>Local</a:t>
-            </a:r>
-            <a:r>
-              <a:rPr lang="de-CH" b="0" i="0" dirty="0">
-                <a:solidFill>
-                  <a:srgbClr val="333333"/>
-                </a:solidFill>
-                <a:effectLst/>
-                <a:latin typeface="Public Sans"/>
-              </a:rPr>
-              <a:t> </a:t>
-            </a:r>
-            <a:r>
-              <a:rPr lang="de-CH" b="0" i="0" dirty="0" err="1">
-                <a:solidFill>
-                  <a:srgbClr val="333333"/>
-                </a:solidFill>
-                <a:effectLst/>
-                <a:latin typeface="Public Sans"/>
-              </a:rPr>
-              <a:t>chart</a:t>
-            </a:r>
-            <a:r>
-              <a:rPr lang="de-CH" b="0" i="0" dirty="0">
-                <a:solidFill>
-                  <a:srgbClr val="333333"/>
-                </a:solidFill>
-                <a:effectLst/>
-                <a:latin typeface="Public Sans"/>
-              </a:rPr>
-              <a:t> </a:t>
-            </a:r>
-            <a:r>
-              <a:rPr lang="de-CH" b="0" i="0" dirty="0" err="1">
-                <a:solidFill>
-                  <a:srgbClr val="333333"/>
-                </a:solidFill>
-                <a:effectLst/>
-                <a:latin typeface="Public Sans"/>
-              </a:rPr>
-              <a:t>development</a:t>
-            </a:r>
-            <a:endParaRPr lang="de-CH" b="0" i="0" dirty="0">
-              <a:solidFill>
-                <a:srgbClr val="333333"/>
-              </a:solidFill>
-              <a:effectLst/>
-              <a:latin typeface="Public Sans"/>
-            </a:endParaRPr>
-          </a:p>
-          <a:p>
-            <a:pPr algn="l">
-              <a:buFont typeface="Arial" panose="020B0604020202020204" pitchFamily="34" charset="0"/>
-              <a:buChar char="•"/>
-            </a:pPr>
-            <a:r>
-              <a:rPr lang="de-CH" b="0" i="0" dirty="0">
-                <a:solidFill>
-                  <a:srgbClr val="333333"/>
-                </a:solidFill>
-                <a:effectLst/>
-                <a:latin typeface="Public Sans"/>
-              </a:rPr>
-              <a:t>Managing </a:t>
-            </a:r>
-            <a:r>
-              <a:rPr lang="de-CH" b="0" i="0" dirty="0" err="1">
-                <a:solidFill>
-                  <a:srgbClr val="333333"/>
-                </a:solidFill>
-                <a:effectLst/>
-                <a:latin typeface="Public Sans"/>
-              </a:rPr>
-              <a:t>repositories</a:t>
-            </a:r>
-            <a:endParaRPr lang="de-CH" b="0" i="0" dirty="0">
-              <a:solidFill>
-                <a:srgbClr val="333333"/>
-              </a:solidFill>
-              <a:effectLst/>
-              <a:latin typeface="Public Sans"/>
-            </a:endParaRPr>
-          </a:p>
-          <a:p>
-            <a:pPr algn="l">
-              <a:buFont typeface="Arial" panose="020B0604020202020204" pitchFamily="34" charset="0"/>
-              <a:buChar char="•"/>
-            </a:pPr>
-            <a:r>
-              <a:rPr lang="de-CH" b="0" i="0" dirty="0">
-                <a:solidFill>
-                  <a:srgbClr val="333333"/>
-                </a:solidFill>
-                <a:effectLst/>
-                <a:latin typeface="Public Sans"/>
-              </a:rPr>
-              <a:t>Managing </a:t>
-            </a:r>
-            <a:r>
-              <a:rPr lang="de-CH" b="0" i="0" dirty="0" err="1">
-                <a:solidFill>
-                  <a:srgbClr val="333333"/>
-                </a:solidFill>
-                <a:effectLst/>
-                <a:latin typeface="Public Sans"/>
-              </a:rPr>
-              <a:t>releases</a:t>
-            </a:r>
-            <a:endParaRPr lang="de-CH" b="0" i="0" dirty="0">
-              <a:solidFill>
-                <a:srgbClr val="333333"/>
-              </a:solidFill>
-              <a:effectLst/>
-              <a:latin typeface="Public Sans"/>
-            </a:endParaRPr>
-          </a:p>
-          <a:p>
-            <a:pPr algn="l">
-              <a:buFont typeface="Arial" panose="020B0604020202020204" pitchFamily="34" charset="0"/>
-              <a:buChar char="•"/>
-            </a:pPr>
-            <a:r>
-              <a:rPr lang="de-CH" b="0" i="0" dirty="0" err="1">
-                <a:solidFill>
-                  <a:srgbClr val="333333"/>
-                </a:solidFill>
-                <a:effectLst/>
-                <a:latin typeface="Public Sans"/>
-              </a:rPr>
-              <a:t>Interfacing</a:t>
-            </a:r>
-            <a:r>
-              <a:rPr lang="de-CH" b="0" i="0" dirty="0">
-                <a:solidFill>
-                  <a:srgbClr val="333333"/>
-                </a:solidFill>
-                <a:effectLst/>
-                <a:latin typeface="Public Sans"/>
-              </a:rPr>
-              <a:t> </a:t>
-            </a:r>
-            <a:r>
-              <a:rPr lang="de-CH" b="0" i="0" dirty="0" err="1">
-                <a:solidFill>
-                  <a:srgbClr val="333333"/>
-                </a:solidFill>
-                <a:effectLst/>
-                <a:latin typeface="Public Sans"/>
-              </a:rPr>
-              <a:t>with</a:t>
-            </a:r>
-            <a:r>
-              <a:rPr lang="de-CH" b="0" i="0" dirty="0">
-                <a:solidFill>
-                  <a:srgbClr val="333333"/>
-                </a:solidFill>
-                <a:effectLst/>
-                <a:latin typeface="Public Sans"/>
-              </a:rPr>
-              <a:t> </a:t>
-            </a:r>
-            <a:r>
-              <a:rPr lang="de-CH" b="0" i="0" dirty="0" err="1">
-                <a:solidFill>
-                  <a:srgbClr val="333333"/>
-                </a:solidFill>
-                <a:effectLst/>
-                <a:latin typeface="Public Sans"/>
-              </a:rPr>
-              <a:t>the</a:t>
-            </a:r>
-            <a:r>
-              <a:rPr lang="de-CH" b="0" i="0" dirty="0">
-                <a:solidFill>
-                  <a:srgbClr val="333333"/>
-                </a:solidFill>
-                <a:effectLst/>
-                <a:latin typeface="Public Sans"/>
-              </a:rPr>
-              <a:t> Helm </a:t>
-            </a:r>
-            <a:r>
-              <a:rPr lang="de-CH" b="0" i="0" dirty="0" err="1">
-                <a:solidFill>
-                  <a:srgbClr val="333333"/>
-                </a:solidFill>
-                <a:effectLst/>
-                <a:latin typeface="Public Sans"/>
-              </a:rPr>
-              <a:t>library</a:t>
-            </a:r>
-            <a:endParaRPr lang="de-CH" b="0" i="0" dirty="0">
-              <a:solidFill>
-                <a:srgbClr val="333333"/>
-              </a:solidFill>
-              <a:effectLst/>
-              <a:latin typeface="Public Sans"/>
-            </a:endParaRPr>
-          </a:p>
-          <a:p>
-            <a:pPr marL="742950" lvl="1" indent="-285750" algn="l">
-              <a:buFont typeface="Arial" panose="020B0604020202020204" pitchFamily="34" charset="0"/>
-              <a:buChar char="•"/>
-            </a:pPr>
-            <a:r>
-              <a:rPr lang="de-CH" b="0" i="0" dirty="0" err="1">
-                <a:solidFill>
-                  <a:srgbClr val="333333"/>
-                </a:solidFill>
-                <a:effectLst/>
-                <a:latin typeface="Public Sans"/>
-              </a:rPr>
-              <a:t>Sending</a:t>
-            </a:r>
-            <a:r>
-              <a:rPr lang="de-CH" b="0" i="0" dirty="0">
-                <a:solidFill>
-                  <a:srgbClr val="333333"/>
-                </a:solidFill>
-                <a:effectLst/>
-                <a:latin typeface="Public Sans"/>
-              </a:rPr>
-              <a:t> </a:t>
-            </a:r>
-            <a:r>
-              <a:rPr lang="de-CH" b="0" i="0" dirty="0" err="1">
-                <a:solidFill>
-                  <a:srgbClr val="333333"/>
-                </a:solidFill>
-                <a:effectLst/>
-                <a:latin typeface="Public Sans"/>
-              </a:rPr>
-              <a:t>charts</a:t>
-            </a:r>
-            <a:r>
-              <a:rPr lang="de-CH" b="0" i="0" dirty="0">
-                <a:solidFill>
-                  <a:srgbClr val="333333"/>
-                </a:solidFill>
-                <a:effectLst/>
-                <a:latin typeface="Public Sans"/>
-              </a:rPr>
-              <a:t> </a:t>
-            </a:r>
-            <a:r>
-              <a:rPr lang="de-CH" b="0" i="0" dirty="0" err="1">
-                <a:solidFill>
-                  <a:srgbClr val="333333"/>
-                </a:solidFill>
-                <a:effectLst/>
-                <a:latin typeface="Public Sans"/>
-              </a:rPr>
-              <a:t>to</a:t>
-            </a:r>
-            <a:r>
-              <a:rPr lang="de-CH" b="0" i="0" dirty="0">
-                <a:solidFill>
-                  <a:srgbClr val="333333"/>
-                </a:solidFill>
-                <a:effectLst/>
-                <a:latin typeface="Public Sans"/>
-              </a:rPr>
-              <a:t> </a:t>
-            </a:r>
-            <a:r>
-              <a:rPr lang="de-CH" b="0" i="0" dirty="0" err="1">
-                <a:solidFill>
-                  <a:srgbClr val="333333"/>
-                </a:solidFill>
-                <a:effectLst/>
-                <a:latin typeface="Public Sans"/>
-              </a:rPr>
-              <a:t>be</a:t>
-            </a:r>
-            <a:r>
-              <a:rPr lang="de-CH" b="0" i="0" dirty="0">
-                <a:solidFill>
-                  <a:srgbClr val="333333"/>
-                </a:solidFill>
-                <a:effectLst/>
-                <a:latin typeface="Public Sans"/>
-              </a:rPr>
-              <a:t> </a:t>
-            </a:r>
-            <a:r>
-              <a:rPr lang="de-CH" b="0" i="0" dirty="0" err="1">
-                <a:solidFill>
-                  <a:srgbClr val="333333"/>
-                </a:solidFill>
-                <a:effectLst/>
-                <a:latin typeface="Public Sans"/>
-              </a:rPr>
-              <a:t>installed</a:t>
-            </a:r>
-            <a:endParaRPr lang="de-CH" b="0" i="0" dirty="0">
-              <a:solidFill>
-                <a:srgbClr val="333333"/>
-              </a:solidFill>
-              <a:effectLst/>
-              <a:latin typeface="Public Sans"/>
-            </a:endParaRPr>
-          </a:p>
-          <a:p>
-            <a:pPr marL="742950" lvl="1" indent="-285750" algn="l">
-              <a:buFont typeface="Arial" panose="020B0604020202020204" pitchFamily="34" charset="0"/>
-              <a:buChar char="•"/>
-            </a:pPr>
-            <a:r>
-              <a:rPr lang="de-CH" b="0" i="0" dirty="0" err="1">
-                <a:solidFill>
-                  <a:srgbClr val="333333"/>
-                </a:solidFill>
-                <a:effectLst/>
-                <a:latin typeface="Public Sans"/>
-              </a:rPr>
-              <a:t>Requesting</a:t>
-            </a:r>
-            <a:r>
-              <a:rPr lang="de-CH" b="0" i="0" dirty="0">
-                <a:solidFill>
-                  <a:srgbClr val="333333"/>
-                </a:solidFill>
-                <a:effectLst/>
-                <a:latin typeface="Public Sans"/>
-              </a:rPr>
-              <a:t> </a:t>
-            </a:r>
-            <a:r>
-              <a:rPr lang="de-CH" b="0" i="0" dirty="0" err="1">
-                <a:solidFill>
-                  <a:srgbClr val="333333"/>
-                </a:solidFill>
-                <a:effectLst/>
-                <a:latin typeface="Public Sans"/>
-              </a:rPr>
-              <a:t>upgrading</a:t>
-            </a:r>
-            <a:r>
-              <a:rPr lang="de-CH" b="0" i="0" dirty="0">
-                <a:solidFill>
-                  <a:srgbClr val="333333"/>
-                </a:solidFill>
-                <a:effectLst/>
-                <a:latin typeface="Public Sans"/>
-              </a:rPr>
-              <a:t> </a:t>
-            </a:r>
-            <a:r>
-              <a:rPr lang="de-CH" b="0" i="0" dirty="0" err="1">
-                <a:solidFill>
-                  <a:srgbClr val="333333"/>
-                </a:solidFill>
-                <a:effectLst/>
-                <a:latin typeface="Public Sans"/>
-              </a:rPr>
-              <a:t>or</a:t>
-            </a:r>
-            <a:r>
-              <a:rPr lang="de-CH" b="0" i="0" dirty="0">
-                <a:solidFill>
-                  <a:srgbClr val="333333"/>
-                </a:solidFill>
-                <a:effectLst/>
-                <a:latin typeface="Public Sans"/>
-              </a:rPr>
-              <a:t> </a:t>
-            </a:r>
-            <a:r>
-              <a:rPr lang="de-CH" b="0" i="0" dirty="0" err="1">
-                <a:solidFill>
-                  <a:srgbClr val="333333"/>
-                </a:solidFill>
-                <a:effectLst/>
-                <a:latin typeface="Public Sans"/>
-              </a:rPr>
-              <a:t>uninstalling</a:t>
-            </a:r>
-            <a:r>
-              <a:rPr lang="de-CH" b="0" i="0" dirty="0">
-                <a:solidFill>
-                  <a:srgbClr val="333333"/>
-                </a:solidFill>
-                <a:effectLst/>
-                <a:latin typeface="Public Sans"/>
-              </a:rPr>
-              <a:t> </a:t>
-            </a:r>
-            <a:r>
-              <a:rPr lang="de-CH" b="0" i="0" dirty="0" err="1">
-                <a:solidFill>
-                  <a:srgbClr val="333333"/>
-                </a:solidFill>
-                <a:effectLst/>
-                <a:latin typeface="Public Sans"/>
-              </a:rPr>
-              <a:t>of</a:t>
-            </a:r>
-            <a:r>
-              <a:rPr lang="de-CH" b="0" i="0" dirty="0">
-                <a:solidFill>
-                  <a:srgbClr val="333333"/>
-                </a:solidFill>
-                <a:effectLst/>
-                <a:latin typeface="Public Sans"/>
-              </a:rPr>
-              <a:t> </a:t>
-            </a:r>
-            <a:r>
-              <a:rPr lang="de-CH" b="0" i="0" dirty="0" err="1">
-                <a:solidFill>
-                  <a:srgbClr val="333333"/>
-                </a:solidFill>
-                <a:effectLst/>
-                <a:latin typeface="Public Sans"/>
-              </a:rPr>
-              <a:t>existing</a:t>
-            </a:r>
-            <a:r>
-              <a:rPr lang="de-CH" b="0" i="0" dirty="0">
-                <a:solidFill>
-                  <a:srgbClr val="333333"/>
-                </a:solidFill>
-                <a:effectLst/>
-                <a:latin typeface="Public Sans"/>
-              </a:rPr>
-              <a:t> </a:t>
-            </a:r>
-            <a:r>
-              <a:rPr lang="de-CH" b="0" i="0" dirty="0" err="1">
-                <a:solidFill>
-                  <a:srgbClr val="333333"/>
-                </a:solidFill>
-                <a:effectLst/>
-                <a:latin typeface="Public Sans"/>
-              </a:rPr>
-              <a:t>releases</a:t>
-            </a:r>
-            <a:endParaRPr lang="de-CH" b="0" i="0" dirty="0">
-              <a:solidFill>
-                <a:srgbClr val="333333"/>
-              </a:solidFill>
-              <a:effectLst/>
-              <a:latin typeface="Public Sans"/>
-            </a:endParaRPr>
-          </a:p>
-          <a:p>
-            <a:endParaRPr lang="de-CH" dirty="0"/>
-          </a:p>
-        </p:txBody>
-      </p:sp>
-      <p:sp>
-        <p:nvSpPr>
-          <p:cNvPr id="4" name="Foliennummernplatzhalter 3"/>
-          <p:cNvSpPr>
-            <a:spLocks noGrp="1"/>
-          </p:cNvSpPr>
-          <p:nvPr>
-            <p:ph type="sldNum" sz="quarter" idx="5"/>
-          </p:nvPr>
-        </p:nvSpPr>
-        <p:spPr/>
-        <p:txBody>
-          <a:bodyPr/>
-          <a:lstStyle/>
-          <a:p>
-            <a:fld id="{BE65CCB5-C8E4-4ED3-A5C3-0FE3DE15867E}" type="slidenum">
-              <a:rPr lang="de-CH" smtClean="0"/>
-              <a:t>24</a:t>
-            </a:fld>
-            <a:endParaRPr lang="de-CH"/>
-          </a:p>
-        </p:txBody>
-      </p:sp>
-    </p:spTree>
-    <p:extLst>
-      <p:ext uri="{BB962C8B-B14F-4D97-AF65-F5344CB8AC3E}">
-        <p14:creationId xmlns:p14="http://schemas.microsoft.com/office/powerpoint/2010/main" val="3252843779"/>
-      </p:ext>
-    </p:extLst>
-  </p:cSld>
-  <p:clrMapOvr>
-    <a:masterClrMapping/>
-  </p:clrMapOvr>
-</p:notes>
-</file>
-
-<file path=ppt/notesSlides/notesSlide21.xml><?xml version="1.0" encoding="utf-8"?>
-<p:notes xmlns:a="http://schemas.openxmlformats.org/drawingml/2006/main" xmlns:r="http://schemas.openxmlformats.org/officeDocument/2006/relationships" xmlns:p="http://schemas.openxmlformats.org/presentationml/2006/main">
-  <p:cSld>
-    <p:spTree>
-      <p:nvGrpSpPr>
-        <p:cNvPr id="1" name=""/>
-        <p:cNvGrpSpPr/>
-        <p:nvPr/>
-      </p:nvGrpSpPr>
-      <p:grpSpPr>
-        <a:xfrm>
-          <a:off x="0" y="0"/>
-          <a:ext cx="0" cy="0"/>
-          <a:chOff x="0" y="0"/>
-          <a:chExt cx="0" cy="0"/>
-        </a:xfrm>
-      </p:grpSpPr>
-      <p:sp>
-        <p:nvSpPr>
-          <p:cNvPr id="2" name="Folienbildplatzhalter 1"/>
-          <p:cNvSpPr>
-            <a:spLocks noGrp="1" noRot="1" noChangeAspect="1"/>
-          </p:cNvSpPr>
-          <p:nvPr>
-            <p:ph type="sldImg"/>
-          </p:nvPr>
-        </p:nvSpPr>
-        <p:spPr/>
-      </p:sp>
-      <p:sp>
-        <p:nvSpPr>
-          <p:cNvPr id="3" name="Notizenplatzhalter 2"/>
-          <p:cNvSpPr>
-            <a:spLocks noGrp="1"/>
-          </p:cNvSpPr>
-          <p:nvPr>
-            <p:ph type="body" idx="1"/>
-          </p:nvPr>
-        </p:nvSpPr>
-        <p:spPr/>
-        <p:txBody>
-          <a:bodyPr/>
-          <a:lstStyle/>
-          <a:p>
-            <a:r>
-              <a:rPr lang="de-CH" dirty="0"/>
-              <a:t>Description </a:t>
-            </a:r>
-            <a:r>
-              <a:rPr lang="de-CH" dirty="0" err="1"/>
-              <a:t>about</a:t>
-            </a:r>
-            <a:r>
-              <a:rPr lang="de-CH" dirty="0"/>
-              <a:t> </a:t>
-            </a:r>
-            <a:r>
-              <a:rPr lang="de-CH" dirty="0" err="1"/>
-              <a:t>our</a:t>
-            </a:r>
-            <a:r>
-              <a:rPr lang="de-CH" dirty="0"/>
-              <a:t> </a:t>
-            </a:r>
-            <a:r>
-              <a:rPr lang="de-CH" dirty="0" err="1"/>
-              <a:t>chart</a:t>
-            </a:r>
-            <a:endParaRPr lang="de-CH" dirty="0"/>
-          </a:p>
-          <a:p>
-            <a:endParaRPr lang="de-CH" dirty="0"/>
-          </a:p>
-          <a:p>
-            <a:endParaRPr lang="de-CH" dirty="0"/>
-          </a:p>
-        </p:txBody>
-      </p:sp>
-      <p:sp>
-        <p:nvSpPr>
-          <p:cNvPr id="4" name="Foliennummernplatzhalter 3"/>
-          <p:cNvSpPr>
-            <a:spLocks noGrp="1"/>
-          </p:cNvSpPr>
-          <p:nvPr>
-            <p:ph type="sldNum" sz="quarter" idx="5"/>
-          </p:nvPr>
-        </p:nvSpPr>
-        <p:spPr/>
-        <p:txBody>
-          <a:bodyPr/>
-          <a:lstStyle/>
-          <a:p>
-            <a:fld id="{BE65CCB5-C8E4-4ED3-A5C3-0FE3DE15867E}" type="slidenum">
-              <a:rPr lang="de-CH" smtClean="0"/>
-              <a:t>25</a:t>
-            </a:fld>
-            <a:endParaRPr lang="de-CH"/>
-          </a:p>
-        </p:txBody>
-      </p:sp>
-    </p:spTree>
-    <p:extLst>
-      <p:ext uri="{BB962C8B-B14F-4D97-AF65-F5344CB8AC3E}">
-        <p14:creationId xmlns:p14="http://schemas.microsoft.com/office/powerpoint/2010/main" val="1378871551"/>
-      </p:ext>
-    </p:extLst>
-  </p:cSld>
-  <p:clrMapOvr>
-    <a:masterClrMapping/>
-  </p:clrMapOvr>
-</p:notes>
-</file>
-
-<file path=ppt/notesSlides/notesSlide22.xml><?xml version="1.0" encoding="utf-8"?>
-<p:notes xmlns:a="http://schemas.openxmlformats.org/drawingml/2006/main" xmlns:r="http://schemas.openxmlformats.org/officeDocument/2006/relationships" xmlns:p="http://schemas.openxmlformats.org/presentationml/2006/main">
-  <p:cSld>
-    <p:spTree>
-      <p:nvGrpSpPr>
-        <p:cNvPr id="1" name=""/>
-        <p:cNvGrpSpPr/>
-        <p:nvPr/>
-      </p:nvGrpSpPr>
-      <p:grpSpPr>
-        <a:xfrm>
-          <a:off x="0" y="0"/>
-          <a:ext cx="0" cy="0"/>
-          <a:chOff x="0" y="0"/>
-          <a:chExt cx="0" cy="0"/>
-        </a:xfrm>
-      </p:grpSpPr>
-      <p:sp>
-        <p:nvSpPr>
-          <p:cNvPr id="2" name="Folienbildplatzhalter 1"/>
-          <p:cNvSpPr>
-            <a:spLocks noGrp="1" noRot="1" noChangeAspect="1"/>
-          </p:cNvSpPr>
-          <p:nvPr>
-            <p:ph type="sldImg"/>
-          </p:nvPr>
-        </p:nvSpPr>
-        <p:spPr/>
-      </p:sp>
-      <p:sp>
-        <p:nvSpPr>
-          <p:cNvPr id="3" name="Notizenplatzhalter 2"/>
-          <p:cNvSpPr>
-            <a:spLocks noGrp="1"/>
-          </p:cNvSpPr>
-          <p:nvPr>
-            <p:ph type="body" idx="1"/>
-          </p:nvPr>
-        </p:nvSpPr>
-        <p:spPr/>
-        <p:txBody>
-          <a:bodyPr/>
-          <a:lstStyle/>
-          <a:p>
-            <a:r>
-              <a:rPr lang="de-CH" dirty="0"/>
-              <a:t>Description </a:t>
-            </a:r>
-            <a:r>
-              <a:rPr lang="de-CH" dirty="0" err="1"/>
-              <a:t>about</a:t>
-            </a:r>
-            <a:r>
-              <a:rPr lang="de-CH" dirty="0"/>
-              <a:t> </a:t>
-            </a:r>
-            <a:r>
-              <a:rPr lang="de-CH" dirty="0" err="1"/>
-              <a:t>our</a:t>
-            </a:r>
-            <a:r>
-              <a:rPr lang="de-CH" dirty="0"/>
-              <a:t> </a:t>
-            </a:r>
-            <a:r>
-              <a:rPr lang="de-CH" dirty="0" err="1"/>
-              <a:t>chart</a:t>
-            </a:r>
-            <a:endParaRPr lang="de-CH" dirty="0"/>
-          </a:p>
-          <a:p>
-            <a:endParaRPr lang="de-CH" dirty="0"/>
-          </a:p>
-          <a:p>
-            <a:endParaRPr lang="de-CH" dirty="0"/>
-          </a:p>
-        </p:txBody>
-      </p:sp>
-      <p:sp>
-        <p:nvSpPr>
-          <p:cNvPr id="4" name="Foliennummernplatzhalter 3"/>
-          <p:cNvSpPr>
-            <a:spLocks noGrp="1"/>
-          </p:cNvSpPr>
-          <p:nvPr>
-            <p:ph type="sldNum" sz="quarter" idx="5"/>
-          </p:nvPr>
-        </p:nvSpPr>
-        <p:spPr/>
-        <p:txBody>
-          <a:bodyPr/>
-          <a:lstStyle/>
-          <a:p>
-            <a:fld id="{BE65CCB5-C8E4-4ED3-A5C3-0FE3DE15867E}" type="slidenum">
-              <a:rPr lang="de-CH" smtClean="0"/>
-              <a:t>26</a:t>
-            </a:fld>
-            <a:endParaRPr lang="de-CH"/>
-          </a:p>
-        </p:txBody>
-      </p:sp>
-    </p:spTree>
-    <p:extLst>
-      <p:ext uri="{BB962C8B-B14F-4D97-AF65-F5344CB8AC3E}">
-        <p14:creationId xmlns:p14="http://schemas.microsoft.com/office/powerpoint/2010/main" val="1378871551"/>
-      </p:ext>
-    </p:extLst>
-  </p:cSld>
-  <p:clrMapOvr>
-    <a:masterClrMapping/>
-  </p:clrMapOvr>
-</p:notes>
-</file>
-
-<file path=ppt/notesSlides/notesSlide23.xml><?xml version="1.0" encoding="utf-8"?>
-<p:notes xmlns:a="http://schemas.openxmlformats.org/drawingml/2006/main" xmlns:r="http://schemas.openxmlformats.org/officeDocument/2006/relationships" xmlns:p="http://schemas.openxmlformats.org/presentationml/2006/main">
-  <p:cSld>
-    <p:spTree>
-      <p:nvGrpSpPr>
-        <p:cNvPr id="1" name=""/>
-        <p:cNvGrpSpPr/>
-        <p:nvPr/>
-      </p:nvGrpSpPr>
-      <p:grpSpPr>
-        <a:xfrm>
-          <a:off x="0" y="0"/>
-          <a:ext cx="0" cy="0"/>
-          <a:chOff x="0" y="0"/>
-          <a:chExt cx="0" cy="0"/>
-        </a:xfrm>
-      </p:grpSpPr>
-      <p:sp>
-        <p:nvSpPr>
-          <p:cNvPr id="2" name="Folienbildplatzhalter 1"/>
-          <p:cNvSpPr>
-            <a:spLocks noGrp="1" noRot="1" noChangeAspect="1"/>
-          </p:cNvSpPr>
-          <p:nvPr>
-            <p:ph type="sldImg"/>
-          </p:nvPr>
-        </p:nvSpPr>
-        <p:spPr/>
-      </p:sp>
-      <p:sp>
-        <p:nvSpPr>
-          <p:cNvPr id="3" name="Notizenplatzhalter 2"/>
-          <p:cNvSpPr>
-            <a:spLocks noGrp="1"/>
-          </p:cNvSpPr>
-          <p:nvPr>
-            <p:ph type="body" idx="1"/>
-          </p:nvPr>
-        </p:nvSpPr>
-        <p:spPr/>
-        <p:txBody>
-          <a:bodyPr/>
-          <a:lstStyle/>
-          <a:p>
-            <a:pPr algn="l">
-              <a:buFont typeface="Arial" panose="020B0604020202020204" pitchFamily="34" charset="0"/>
-              <a:buChar char="•"/>
-            </a:pPr>
-            <a:r>
-              <a:rPr lang="de-CH" b="0" i="0" dirty="0">
-                <a:solidFill>
-                  <a:srgbClr val="333333"/>
-                </a:solidFill>
-                <a:effectLst/>
-                <a:latin typeface="Public Sans"/>
-              </a:rPr>
-              <a:t>CLI  </a:t>
-            </a:r>
-            <a:r>
-              <a:rPr lang="de-CH" b="0" i="0" dirty="0" err="1">
-                <a:solidFill>
-                  <a:srgbClr val="333333"/>
-                </a:solidFill>
-                <a:effectLst/>
-                <a:latin typeface="Public Sans"/>
-              </a:rPr>
-              <a:t>chart</a:t>
-            </a:r>
-            <a:r>
-              <a:rPr lang="de-CH" b="0" i="0" dirty="0">
-                <a:solidFill>
-                  <a:srgbClr val="333333"/>
-                </a:solidFill>
-                <a:effectLst/>
-                <a:latin typeface="Public Sans"/>
-              </a:rPr>
-              <a:t> = Templates Files</a:t>
-            </a:r>
-          </a:p>
-          <a:p>
-            <a:pPr algn="l">
-              <a:buFont typeface="Arial" panose="020B0604020202020204" pitchFamily="34" charset="0"/>
-              <a:buChar char="•"/>
-            </a:pPr>
-            <a:r>
-              <a:rPr lang="de-CH" b="0" i="0" dirty="0" err="1">
-                <a:solidFill>
-                  <a:srgbClr val="333333"/>
-                </a:solidFill>
-                <a:effectLst/>
-                <a:latin typeface="Public Sans"/>
-              </a:rPr>
-              <a:t>Local</a:t>
-            </a:r>
-            <a:r>
-              <a:rPr lang="de-CH" b="0" i="0" dirty="0">
-                <a:solidFill>
-                  <a:srgbClr val="333333"/>
-                </a:solidFill>
-                <a:effectLst/>
-                <a:latin typeface="Public Sans"/>
-              </a:rPr>
-              <a:t> </a:t>
-            </a:r>
-            <a:r>
-              <a:rPr lang="de-CH" b="0" i="0" dirty="0" err="1">
-                <a:solidFill>
-                  <a:srgbClr val="333333"/>
-                </a:solidFill>
-                <a:effectLst/>
-                <a:latin typeface="Public Sans"/>
-              </a:rPr>
-              <a:t>chart</a:t>
-            </a:r>
-            <a:r>
-              <a:rPr lang="de-CH" b="0" i="0" dirty="0">
-                <a:solidFill>
-                  <a:srgbClr val="333333"/>
-                </a:solidFill>
-                <a:effectLst/>
-                <a:latin typeface="Public Sans"/>
-              </a:rPr>
-              <a:t> </a:t>
-            </a:r>
-            <a:r>
-              <a:rPr lang="de-CH" b="0" i="0" dirty="0" err="1">
-                <a:solidFill>
-                  <a:srgbClr val="333333"/>
-                </a:solidFill>
-                <a:effectLst/>
-                <a:latin typeface="Public Sans"/>
-              </a:rPr>
-              <a:t>development</a:t>
-            </a:r>
-            <a:endParaRPr lang="de-CH" b="0" i="0" dirty="0">
-              <a:solidFill>
-                <a:srgbClr val="333333"/>
-              </a:solidFill>
-              <a:effectLst/>
-              <a:latin typeface="Public Sans"/>
-            </a:endParaRPr>
-          </a:p>
-          <a:p>
-            <a:pPr algn="l">
-              <a:buFont typeface="Arial" panose="020B0604020202020204" pitchFamily="34" charset="0"/>
-              <a:buChar char="•"/>
-            </a:pPr>
-            <a:r>
-              <a:rPr lang="de-CH" b="0" i="0" dirty="0">
-                <a:solidFill>
-                  <a:srgbClr val="333333"/>
-                </a:solidFill>
-                <a:effectLst/>
-                <a:latin typeface="Public Sans"/>
-              </a:rPr>
-              <a:t>Managing </a:t>
-            </a:r>
-            <a:r>
-              <a:rPr lang="de-CH" b="0" i="0" dirty="0" err="1">
-                <a:solidFill>
-                  <a:srgbClr val="333333"/>
-                </a:solidFill>
-                <a:effectLst/>
-                <a:latin typeface="Public Sans"/>
-              </a:rPr>
-              <a:t>repositories</a:t>
-            </a:r>
-            <a:endParaRPr lang="de-CH" b="0" i="0" dirty="0">
-              <a:solidFill>
-                <a:srgbClr val="333333"/>
-              </a:solidFill>
-              <a:effectLst/>
-              <a:latin typeface="Public Sans"/>
-            </a:endParaRPr>
-          </a:p>
-          <a:p>
-            <a:pPr algn="l">
-              <a:buFont typeface="Arial" panose="020B0604020202020204" pitchFamily="34" charset="0"/>
-              <a:buChar char="•"/>
-            </a:pPr>
-            <a:r>
-              <a:rPr lang="de-CH" b="0" i="0" dirty="0">
-                <a:solidFill>
-                  <a:srgbClr val="333333"/>
-                </a:solidFill>
-                <a:effectLst/>
-                <a:latin typeface="Public Sans"/>
-              </a:rPr>
-              <a:t>Managing </a:t>
-            </a:r>
-            <a:r>
-              <a:rPr lang="de-CH" b="0" i="0" dirty="0" err="1">
-                <a:solidFill>
-                  <a:srgbClr val="333333"/>
-                </a:solidFill>
-                <a:effectLst/>
-                <a:latin typeface="Public Sans"/>
-              </a:rPr>
-              <a:t>releases</a:t>
-            </a:r>
-            <a:endParaRPr lang="de-CH" b="0" i="0" dirty="0">
-              <a:solidFill>
-                <a:srgbClr val="333333"/>
-              </a:solidFill>
-              <a:effectLst/>
-              <a:latin typeface="Public Sans"/>
-            </a:endParaRPr>
-          </a:p>
-          <a:p>
-            <a:pPr algn="l">
-              <a:buFont typeface="Arial" panose="020B0604020202020204" pitchFamily="34" charset="0"/>
-              <a:buChar char="•"/>
-            </a:pPr>
-            <a:r>
-              <a:rPr lang="de-CH" b="0" i="0" dirty="0" err="1">
-                <a:solidFill>
-                  <a:srgbClr val="333333"/>
-                </a:solidFill>
-                <a:effectLst/>
-                <a:latin typeface="Public Sans"/>
-              </a:rPr>
-              <a:t>Interfacing</a:t>
-            </a:r>
-            <a:r>
-              <a:rPr lang="de-CH" b="0" i="0" dirty="0">
-                <a:solidFill>
-                  <a:srgbClr val="333333"/>
-                </a:solidFill>
-                <a:effectLst/>
-                <a:latin typeface="Public Sans"/>
-              </a:rPr>
-              <a:t> </a:t>
-            </a:r>
-            <a:r>
-              <a:rPr lang="de-CH" b="0" i="0" dirty="0" err="1">
-                <a:solidFill>
-                  <a:srgbClr val="333333"/>
-                </a:solidFill>
-                <a:effectLst/>
-                <a:latin typeface="Public Sans"/>
-              </a:rPr>
-              <a:t>with</a:t>
-            </a:r>
-            <a:r>
-              <a:rPr lang="de-CH" b="0" i="0" dirty="0">
-                <a:solidFill>
-                  <a:srgbClr val="333333"/>
-                </a:solidFill>
-                <a:effectLst/>
-                <a:latin typeface="Public Sans"/>
-              </a:rPr>
-              <a:t> </a:t>
-            </a:r>
-            <a:r>
-              <a:rPr lang="de-CH" b="0" i="0" dirty="0" err="1">
-                <a:solidFill>
-                  <a:srgbClr val="333333"/>
-                </a:solidFill>
-                <a:effectLst/>
-                <a:latin typeface="Public Sans"/>
-              </a:rPr>
-              <a:t>the</a:t>
-            </a:r>
-            <a:r>
-              <a:rPr lang="de-CH" b="0" i="0" dirty="0">
-                <a:solidFill>
-                  <a:srgbClr val="333333"/>
-                </a:solidFill>
-                <a:effectLst/>
-                <a:latin typeface="Public Sans"/>
-              </a:rPr>
-              <a:t> Helm </a:t>
-            </a:r>
-            <a:r>
-              <a:rPr lang="de-CH" b="0" i="0" dirty="0" err="1">
-                <a:solidFill>
-                  <a:srgbClr val="333333"/>
-                </a:solidFill>
-                <a:effectLst/>
-                <a:latin typeface="Public Sans"/>
-              </a:rPr>
-              <a:t>library</a:t>
-            </a:r>
-            <a:endParaRPr lang="de-CH" b="0" i="0" dirty="0">
-              <a:solidFill>
-                <a:srgbClr val="333333"/>
-              </a:solidFill>
-              <a:effectLst/>
-              <a:latin typeface="Public Sans"/>
-            </a:endParaRPr>
-          </a:p>
-          <a:p>
-            <a:pPr marL="742950" lvl="1" indent="-285750" algn="l">
-              <a:buFont typeface="Arial" panose="020B0604020202020204" pitchFamily="34" charset="0"/>
-              <a:buChar char="•"/>
-            </a:pPr>
-            <a:r>
-              <a:rPr lang="de-CH" b="0" i="0" dirty="0" err="1">
-                <a:solidFill>
-                  <a:srgbClr val="333333"/>
-                </a:solidFill>
-                <a:effectLst/>
-                <a:latin typeface="Public Sans"/>
-              </a:rPr>
-              <a:t>Sending</a:t>
-            </a:r>
-            <a:r>
-              <a:rPr lang="de-CH" b="0" i="0" dirty="0">
-                <a:solidFill>
-                  <a:srgbClr val="333333"/>
-                </a:solidFill>
-                <a:effectLst/>
-                <a:latin typeface="Public Sans"/>
-              </a:rPr>
-              <a:t> </a:t>
-            </a:r>
-            <a:r>
-              <a:rPr lang="de-CH" b="0" i="0" dirty="0" err="1">
-                <a:solidFill>
-                  <a:srgbClr val="333333"/>
-                </a:solidFill>
-                <a:effectLst/>
-                <a:latin typeface="Public Sans"/>
-              </a:rPr>
-              <a:t>charts</a:t>
-            </a:r>
-            <a:r>
-              <a:rPr lang="de-CH" b="0" i="0" dirty="0">
-                <a:solidFill>
-                  <a:srgbClr val="333333"/>
-                </a:solidFill>
-                <a:effectLst/>
-                <a:latin typeface="Public Sans"/>
-              </a:rPr>
-              <a:t> </a:t>
-            </a:r>
-            <a:r>
-              <a:rPr lang="de-CH" b="0" i="0" dirty="0" err="1">
-                <a:solidFill>
-                  <a:srgbClr val="333333"/>
-                </a:solidFill>
-                <a:effectLst/>
-                <a:latin typeface="Public Sans"/>
-              </a:rPr>
-              <a:t>to</a:t>
-            </a:r>
-            <a:r>
-              <a:rPr lang="de-CH" b="0" i="0" dirty="0">
-                <a:solidFill>
-                  <a:srgbClr val="333333"/>
-                </a:solidFill>
-                <a:effectLst/>
-                <a:latin typeface="Public Sans"/>
-              </a:rPr>
-              <a:t> </a:t>
-            </a:r>
-            <a:r>
-              <a:rPr lang="de-CH" b="0" i="0" dirty="0" err="1">
-                <a:solidFill>
-                  <a:srgbClr val="333333"/>
-                </a:solidFill>
-                <a:effectLst/>
-                <a:latin typeface="Public Sans"/>
-              </a:rPr>
-              <a:t>be</a:t>
-            </a:r>
-            <a:r>
-              <a:rPr lang="de-CH" b="0" i="0" dirty="0">
-                <a:solidFill>
-                  <a:srgbClr val="333333"/>
-                </a:solidFill>
-                <a:effectLst/>
-                <a:latin typeface="Public Sans"/>
-              </a:rPr>
-              <a:t> </a:t>
-            </a:r>
-            <a:r>
-              <a:rPr lang="de-CH" b="0" i="0" dirty="0" err="1">
-                <a:solidFill>
-                  <a:srgbClr val="333333"/>
-                </a:solidFill>
-                <a:effectLst/>
-                <a:latin typeface="Public Sans"/>
-              </a:rPr>
-              <a:t>installed</a:t>
-            </a:r>
-            <a:endParaRPr lang="de-CH" b="0" i="0" dirty="0">
-              <a:solidFill>
-                <a:srgbClr val="333333"/>
-              </a:solidFill>
-              <a:effectLst/>
-              <a:latin typeface="Public Sans"/>
-            </a:endParaRPr>
-          </a:p>
-          <a:p>
-            <a:pPr marL="742950" lvl="1" indent="-285750" algn="l">
-              <a:buFont typeface="Arial" panose="020B0604020202020204" pitchFamily="34" charset="0"/>
-              <a:buChar char="•"/>
-            </a:pPr>
-            <a:r>
-              <a:rPr lang="de-CH" b="0" i="0" dirty="0" err="1">
-                <a:solidFill>
-                  <a:srgbClr val="333333"/>
-                </a:solidFill>
-                <a:effectLst/>
-                <a:latin typeface="Public Sans"/>
-              </a:rPr>
-              <a:t>Requesting</a:t>
-            </a:r>
-            <a:r>
-              <a:rPr lang="de-CH" b="0" i="0" dirty="0">
-                <a:solidFill>
-                  <a:srgbClr val="333333"/>
-                </a:solidFill>
-                <a:effectLst/>
-                <a:latin typeface="Public Sans"/>
-              </a:rPr>
-              <a:t> </a:t>
-            </a:r>
-            <a:r>
-              <a:rPr lang="de-CH" b="0" i="0" dirty="0" err="1">
-                <a:solidFill>
-                  <a:srgbClr val="333333"/>
-                </a:solidFill>
-                <a:effectLst/>
-                <a:latin typeface="Public Sans"/>
-              </a:rPr>
-              <a:t>upgrading</a:t>
-            </a:r>
-            <a:r>
-              <a:rPr lang="de-CH" b="0" i="0" dirty="0">
-                <a:solidFill>
-                  <a:srgbClr val="333333"/>
-                </a:solidFill>
-                <a:effectLst/>
-                <a:latin typeface="Public Sans"/>
-              </a:rPr>
-              <a:t> </a:t>
-            </a:r>
-            <a:r>
-              <a:rPr lang="de-CH" b="0" i="0" dirty="0" err="1">
-                <a:solidFill>
-                  <a:srgbClr val="333333"/>
-                </a:solidFill>
-                <a:effectLst/>
-                <a:latin typeface="Public Sans"/>
-              </a:rPr>
-              <a:t>or</a:t>
-            </a:r>
-            <a:r>
-              <a:rPr lang="de-CH" b="0" i="0" dirty="0">
-                <a:solidFill>
-                  <a:srgbClr val="333333"/>
-                </a:solidFill>
-                <a:effectLst/>
-                <a:latin typeface="Public Sans"/>
-              </a:rPr>
-              <a:t> </a:t>
-            </a:r>
-            <a:r>
-              <a:rPr lang="de-CH" b="0" i="0" dirty="0" err="1">
-                <a:solidFill>
-                  <a:srgbClr val="333333"/>
-                </a:solidFill>
-                <a:effectLst/>
-                <a:latin typeface="Public Sans"/>
-              </a:rPr>
-              <a:t>uninstalling</a:t>
-            </a:r>
-            <a:r>
-              <a:rPr lang="de-CH" b="0" i="0" dirty="0">
-                <a:solidFill>
-                  <a:srgbClr val="333333"/>
-                </a:solidFill>
-                <a:effectLst/>
-                <a:latin typeface="Public Sans"/>
-              </a:rPr>
-              <a:t> </a:t>
-            </a:r>
-            <a:r>
-              <a:rPr lang="de-CH" b="0" i="0" dirty="0" err="1">
-                <a:solidFill>
-                  <a:srgbClr val="333333"/>
-                </a:solidFill>
-                <a:effectLst/>
-                <a:latin typeface="Public Sans"/>
-              </a:rPr>
-              <a:t>of</a:t>
-            </a:r>
-            <a:r>
-              <a:rPr lang="de-CH" b="0" i="0" dirty="0">
-                <a:solidFill>
-                  <a:srgbClr val="333333"/>
-                </a:solidFill>
-                <a:effectLst/>
-                <a:latin typeface="Public Sans"/>
-              </a:rPr>
-              <a:t> </a:t>
-            </a:r>
-            <a:r>
-              <a:rPr lang="de-CH" b="0" i="0" dirty="0" err="1">
-                <a:solidFill>
-                  <a:srgbClr val="333333"/>
-                </a:solidFill>
-                <a:effectLst/>
-                <a:latin typeface="Public Sans"/>
-              </a:rPr>
-              <a:t>existing</a:t>
-            </a:r>
-            <a:r>
-              <a:rPr lang="de-CH" b="0" i="0" dirty="0">
-                <a:solidFill>
-                  <a:srgbClr val="333333"/>
-                </a:solidFill>
-                <a:effectLst/>
-                <a:latin typeface="Public Sans"/>
-              </a:rPr>
-              <a:t> </a:t>
-            </a:r>
-            <a:r>
-              <a:rPr lang="de-CH" b="0" i="0" dirty="0" err="1">
-                <a:solidFill>
-                  <a:srgbClr val="333333"/>
-                </a:solidFill>
-                <a:effectLst/>
-                <a:latin typeface="Public Sans"/>
-              </a:rPr>
-              <a:t>releases</a:t>
-            </a:r>
-            <a:endParaRPr lang="de-CH" b="0" i="0" dirty="0">
-              <a:solidFill>
-                <a:srgbClr val="333333"/>
-              </a:solidFill>
-              <a:effectLst/>
-              <a:latin typeface="Public Sans"/>
-            </a:endParaRPr>
-          </a:p>
-          <a:p>
-            <a:endParaRPr lang="de-CH" dirty="0"/>
-          </a:p>
-        </p:txBody>
-      </p:sp>
-      <p:sp>
-        <p:nvSpPr>
-          <p:cNvPr id="4" name="Foliennummernplatzhalter 3"/>
-          <p:cNvSpPr>
-            <a:spLocks noGrp="1"/>
-          </p:cNvSpPr>
-          <p:nvPr>
-            <p:ph type="sldNum" sz="quarter" idx="5"/>
-          </p:nvPr>
-        </p:nvSpPr>
-        <p:spPr/>
-        <p:txBody>
-          <a:bodyPr/>
-          <a:lstStyle/>
-          <a:p>
-            <a:fld id="{BE65CCB5-C8E4-4ED3-A5C3-0FE3DE15867E}" type="slidenum">
-              <a:rPr lang="de-CH" smtClean="0"/>
-              <a:t>27</a:t>
-            </a:fld>
-            <a:endParaRPr lang="de-CH"/>
-          </a:p>
-        </p:txBody>
-      </p:sp>
-    </p:spTree>
-    <p:extLst>
-      <p:ext uri="{BB962C8B-B14F-4D97-AF65-F5344CB8AC3E}">
-        <p14:creationId xmlns:p14="http://schemas.microsoft.com/office/powerpoint/2010/main" val="413712780"/>
-      </p:ext>
-    </p:extLst>
-  </p:cSld>
-  <p:clrMapOvr>
-    <a:masterClrMapping/>
-  </p:clrMapOvr>
-</p:notes>
-</file>
-
 <file path=ppt/notesSlides/notesSlide3.xml><?xml version="1.0" encoding="utf-8"?>
 <p:notes xmlns:a="http://schemas.openxmlformats.org/drawingml/2006/main" xmlns:r="http://schemas.openxmlformats.org/officeDocument/2006/relationships" xmlns:p="http://schemas.openxmlformats.org/presentationml/2006/main">
   <p:cSld>
@@ -17913,7 +16525,7 @@
           <a:noFill/>
           <a:extLst>
             <a:ext uri="{909E8E84-426E-40dd-AFC4-6F175D3DCCD1}">
-              <a14:hiddenFill xmlns="" xmlns:a14="http://schemas.microsoft.com/office/drawing/2010/main">
+              <a14:hiddenFill xmlns:a14="http://schemas.microsoft.com/office/drawing/2010/main" xmlns="">
                 <a:solidFill>
                   <a:srgbClr val="FFFFFF"/>
                 </a:solidFill>
@@ -21693,7 +20305,7 @@
           <a:noFill/>
           <a:extLst>
             <a:ext uri="{909E8E84-426E-40dd-AFC4-6F175D3DCCD1}">
-              <a14:hiddenFill xmlns="" xmlns:a14="http://schemas.microsoft.com/office/drawing/2010/main">
+              <a14:hiddenFill xmlns:a14="http://schemas.microsoft.com/office/drawing/2010/main" xmlns="">
                 <a:solidFill>
                   <a:srgbClr val="FFFFFF"/>
                 </a:solidFill>
@@ -21846,7 +20458,7 @@
           <a:noFill/>
           <a:extLst>
             <a:ext uri="{909E8E84-426E-40dd-AFC4-6F175D3DCCD1}">
-              <a14:hiddenFill xmlns="" xmlns:a14="http://schemas.microsoft.com/office/drawing/2010/main">
+              <a14:hiddenFill xmlns:a14="http://schemas.microsoft.com/office/drawing/2010/main" xmlns="">
                 <a:solidFill>
                   <a:srgbClr val="FFFFFF"/>
                 </a:solidFill>
@@ -22191,7 +20803,7 @@
           <a:noFill/>
           <a:extLst>
             <a:ext uri="{909E8E84-426E-40dd-AFC4-6F175D3DCCD1}">
-              <a14:hiddenFill xmlns="" xmlns:a14="http://schemas.microsoft.com/office/drawing/2010/main">
+              <a14:hiddenFill xmlns:a14="http://schemas.microsoft.com/office/drawing/2010/main" xmlns="">
                 <a:solidFill>
                   <a:srgbClr val="FFFFFF"/>
                 </a:solidFill>
@@ -22583,7 +21195,7 @@
           <a:noFill/>
           <a:extLst>
             <a:ext uri="{909E8E84-426E-40dd-AFC4-6F175D3DCCD1}">
-              <a14:hiddenFill xmlns="" xmlns:a14="http://schemas.microsoft.com/office/drawing/2010/main">
+              <a14:hiddenFill xmlns:a14="http://schemas.microsoft.com/office/drawing/2010/main" xmlns="">
                 <a:solidFill>
                   <a:srgbClr val="FFFFFF"/>
                 </a:solidFill>
@@ -27292,7 +25904,7 @@
           <a:noFill/>
           <a:extLst>
             <a:ext uri="{909E8E84-426E-40dd-AFC4-6F175D3DCCD1}">
-              <a14:hiddenFill xmlns="" xmlns:a14="http://schemas.microsoft.com/office/drawing/2010/main">
+              <a14:hiddenFill xmlns:a14="http://schemas.microsoft.com/office/drawing/2010/main" xmlns="">
                 <a:solidFill>
                   <a:srgbClr val="FFFFFF"/>
                 </a:solidFill>
@@ -28580,7 +27192,7 @@
           <a:noFill/>
           <a:extLst>
             <a:ext uri="{909E8E84-426E-40dd-AFC4-6F175D3DCCD1}">
-              <a14:hiddenFill xmlns="" xmlns:a14="http://schemas.microsoft.com/office/drawing/2010/main">
+              <a14:hiddenFill xmlns:a14="http://schemas.microsoft.com/office/drawing/2010/main" xmlns="">
                 <a:solidFill>
                   <a:srgbClr val="FFFFFF"/>
                 </a:solidFill>
@@ -32282,7 +30894,7 @@
           <a:noFill/>
           <a:extLst>
             <a:ext uri="{909E8E84-426E-40dd-AFC4-6F175D3DCCD1}">
-              <a14:hiddenFill xmlns="" xmlns:a14="http://schemas.microsoft.com/office/drawing/2010/main">
+              <a14:hiddenFill xmlns:a14="http://schemas.microsoft.com/office/drawing/2010/main" xmlns="">
                 <a:solidFill>
                   <a:srgbClr val="FFFFFF"/>
                 </a:solidFill>
@@ -39100,2429 +37712,6 @@
           <a:chExt cx="0" cy="0"/>
         </a:xfrm>
       </p:grpSpPr>
-      <p:pic>
-        <p:nvPicPr>
-          <p:cNvPr id="37" name="Picture 2" descr="C:\Users\ses\Desktop\ti8m_logo_2014_CMYK.png">
-            <a:extLst>
-              <a:ext uri="{FF2B5EF4-FFF2-40B4-BE49-F238E27FC236}">
-                <a16:creationId xmlns:a16="http://schemas.microsoft.com/office/drawing/2014/main" id="{C266C303-516D-2245-88FB-5B3B9717F8F5}"/>
-              </a:ext>
-            </a:extLst>
-          </p:cNvPr>
-          <p:cNvPicPr preferRelativeResize="0">
-            <a:picLocks noChangeAspect="1" noChangeArrowheads="1"/>
-          </p:cNvPicPr>
-          <p:nvPr/>
-        </p:nvPicPr>
-        <p:blipFill rotWithShape="1">
-          <a:blip r:embed="rId4" cstate="email">
-            <a:biLevel thresh="25000"/>
-            <a:alphaModFix/>
-            <a:extLst>
-              <a:ext uri="{28A0092B-C50C-407E-A947-70E740481C1C}">
-                <a14:useLocalDpi xmlns:a14="http://schemas.microsoft.com/office/drawing/2010/main"/>
-              </a:ext>
-            </a:extLst>
-          </a:blip>
-          <a:srcRect b="20184"/>
-          <a:stretch/>
-        </p:blipFill>
-        <p:spPr bwMode="auto">
-          <a:xfrm>
-            <a:off x="8426228" y="4820335"/>
-            <a:ext cx="360000" cy="135854"/>
-          </a:xfrm>
-          <a:prstGeom prst="rect">
-            <a:avLst/>
-          </a:prstGeom>
-          <a:noFill/>
-          <a:extLst>
-            <a:ext uri="{909E8E84-426E-40DD-AFC4-6F175D3DCCD1}">
-              <a14:hiddenFill xmlns:a14="http://schemas.microsoft.com/office/drawing/2010/main">
-                <a:solidFill>
-                  <a:srgbClr val="FFFFFF"/>
-                </a:solidFill>
-              </a14:hiddenFill>
-            </a:ext>
-          </a:extLst>
-        </p:spPr>
-      </p:pic>
-      <p:sp>
-        <p:nvSpPr>
-          <p:cNvPr id="15" name="Textfeld 14">
-            <a:extLst>
-              <a:ext uri="{FF2B5EF4-FFF2-40B4-BE49-F238E27FC236}">
-                <a16:creationId xmlns:a16="http://schemas.microsoft.com/office/drawing/2014/main" id="{1BD9B7C1-5860-C447-7FC6-D510200F75A2}"/>
-              </a:ext>
-            </a:extLst>
-          </p:cNvPr>
-          <p:cNvSpPr txBox="1"/>
-          <p:nvPr/>
-        </p:nvSpPr>
-        <p:spPr>
-          <a:xfrm>
-            <a:off x="1240330" y="2040835"/>
-            <a:ext cx="7674550" cy="1061829"/>
-          </a:xfrm>
-          <a:prstGeom prst="rect">
-            <a:avLst/>
-          </a:prstGeom>
-          <a:noFill/>
-        </p:spPr>
-        <p:txBody>
-          <a:bodyPr wrap="square" lIns="0" tIns="0" rIns="0" bIns="0" rtlCol="0">
-            <a:spAutoFit/>
-          </a:bodyPr>
-          <a:lstStyle/>
-          <a:p>
-            <a:pPr>
-              <a:spcAft>
-                <a:spcPts val="600"/>
-              </a:spcAft>
-            </a:pPr>
-            <a:r>
-              <a:rPr lang="de-DE" sz="3200" dirty="0">
-                <a:solidFill>
-                  <a:schemeClr val="bg1"/>
-                </a:solidFill>
-                <a:latin typeface="+mj-lt"/>
-              </a:rPr>
-              <a:t>Helm – Chart – </a:t>
-            </a:r>
-            <a:r>
-              <a:rPr lang="de-DE" sz="3200" dirty="0" err="1">
-                <a:solidFill>
-                  <a:schemeClr val="bg1"/>
-                </a:solidFill>
-                <a:latin typeface="+mj-lt"/>
-              </a:rPr>
-              <a:t>Functions</a:t>
-            </a:r>
-            <a:r>
-              <a:rPr lang="de-DE" sz="3200" dirty="0">
-                <a:solidFill>
-                  <a:schemeClr val="bg1"/>
-                </a:solidFill>
-                <a:latin typeface="+mj-lt"/>
-              </a:rPr>
-              <a:t> &amp; Pipelines</a:t>
-            </a:r>
-          </a:p>
-          <a:p>
-            <a:pPr>
-              <a:spcAft>
-                <a:spcPts val="600"/>
-              </a:spcAft>
-            </a:pPr>
-            <a:r>
-              <a:rPr lang="de-DE" sz="3200" dirty="0">
-                <a:solidFill>
-                  <a:schemeClr val="bg1"/>
-                </a:solidFill>
-                <a:latin typeface="+mj-lt"/>
-              </a:rPr>
-              <a:t> </a:t>
-            </a:r>
-          </a:p>
-        </p:txBody>
-      </p:sp>
-      <p:sp>
-        <p:nvSpPr>
-          <p:cNvPr id="2" name="Fußzeilenplatzhalter 6">
-            <a:extLst>
-              <a:ext uri="{FF2B5EF4-FFF2-40B4-BE49-F238E27FC236}">
-                <a16:creationId xmlns:a16="http://schemas.microsoft.com/office/drawing/2014/main" id="{A0B7C6DE-253F-0374-F735-8A4174830D91}"/>
-              </a:ext>
-            </a:extLst>
-          </p:cNvPr>
-          <p:cNvSpPr>
-            <a:spLocks noGrp="1"/>
-          </p:cNvSpPr>
-          <p:nvPr>
-            <p:ph type="ftr" sz="quarter" idx="3"/>
-          </p:nvPr>
-        </p:nvSpPr>
-        <p:spPr>
-          <a:xfrm>
-            <a:off x="354210" y="301275"/>
-            <a:ext cx="5580000" cy="139611"/>
-          </a:xfrm>
-        </p:spPr>
-        <p:txBody>
-          <a:bodyPr/>
-          <a:lstStyle/>
-          <a:p>
-            <a:r>
-              <a:rPr lang="de-CH" dirty="0"/>
-              <a:t>Helm</a:t>
-            </a:r>
-          </a:p>
-        </p:txBody>
-      </p:sp>
-      <p:sp>
-        <p:nvSpPr>
-          <p:cNvPr id="12" name="Textfeld 11">
-            <a:extLst>
-              <a:ext uri="{FF2B5EF4-FFF2-40B4-BE49-F238E27FC236}">
-                <a16:creationId xmlns:a16="http://schemas.microsoft.com/office/drawing/2014/main" id="{0099B699-3AAC-986E-95BB-CA2E13FFA9E5}"/>
-              </a:ext>
-            </a:extLst>
-          </p:cNvPr>
-          <p:cNvSpPr txBox="1"/>
-          <p:nvPr/>
-        </p:nvSpPr>
-        <p:spPr>
-          <a:xfrm>
-            <a:off x="612743" y="1337150"/>
-            <a:ext cx="5448692" cy="369332"/>
-          </a:xfrm>
-          <a:prstGeom prst="rect">
-            <a:avLst/>
-          </a:prstGeom>
-          <a:noFill/>
-        </p:spPr>
-        <p:txBody>
-          <a:bodyPr wrap="square">
-            <a:spAutoFit/>
-          </a:bodyPr>
-          <a:lstStyle/>
-          <a:p>
-            <a:endParaRPr lang="de-DE" dirty="0"/>
-          </a:p>
-        </p:txBody>
-      </p:sp>
-    </p:spTree>
-    <p:custDataLst>
-      <p:tags r:id="rId1"/>
-    </p:custDataLst>
-    <p:extLst>
-      <p:ext uri="{BB962C8B-B14F-4D97-AF65-F5344CB8AC3E}">
-        <p14:creationId xmlns:p14="http://schemas.microsoft.com/office/powerpoint/2010/main" val="770624276"/>
-      </p:ext>
-    </p:extLst>
-  </p:cSld>
-  <p:clrMapOvr>
-    <a:masterClrMapping/>
-  </p:clrMapOvr>
-</p:sld>
-</file>
-
-<file path=ppt/slides/slide25.xml><?xml version="1.0" encoding="utf-8"?>
-<p:sld xmlns:a="http://schemas.openxmlformats.org/drawingml/2006/main" xmlns:r="http://schemas.openxmlformats.org/officeDocument/2006/relationships" xmlns:p="http://schemas.openxmlformats.org/presentationml/2006/main">
-  <p:cSld>
-    <p:spTree>
-      <p:nvGrpSpPr>
-        <p:cNvPr id="1" name=""/>
-        <p:cNvGrpSpPr/>
-        <p:nvPr/>
-      </p:nvGrpSpPr>
-      <p:grpSpPr>
-        <a:xfrm>
-          <a:off x="0" y="0"/>
-          <a:ext cx="0" cy="0"/>
-          <a:chOff x="0" y="0"/>
-          <a:chExt cx="0" cy="0"/>
-        </a:xfrm>
-      </p:grpSpPr>
-      <p:pic>
-        <p:nvPicPr>
-          <p:cNvPr id="37" name="Picture 2" descr="C:\Users\ses\Desktop\ti8m_logo_2014_CMYK.png">
-            <a:extLst>
-              <a:ext uri="{FF2B5EF4-FFF2-40B4-BE49-F238E27FC236}">
-                <a16:creationId xmlns:a16="http://schemas.microsoft.com/office/drawing/2014/main" id="{C266C303-516D-2245-88FB-5B3B9717F8F5}"/>
-              </a:ext>
-            </a:extLst>
-          </p:cNvPr>
-          <p:cNvPicPr preferRelativeResize="0">
-            <a:picLocks noChangeAspect="1" noChangeArrowheads="1"/>
-          </p:cNvPicPr>
-          <p:nvPr/>
-        </p:nvPicPr>
-        <p:blipFill rotWithShape="1">
-          <a:blip r:embed="rId4" cstate="email">
-            <a:biLevel thresh="25000"/>
-            <a:alphaModFix/>
-            <a:extLst>
-              <a:ext uri="{28A0092B-C50C-407E-A947-70E740481C1C}">
-                <a14:useLocalDpi xmlns:a14="http://schemas.microsoft.com/office/drawing/2010/main"/>
-              </a:ext>
-            </a:extLst>
-          </a:blip>
-          <a:srcRect b="20184"/>
-          <a:stretch/>
-        </p:blipFill>
-        <p:spPr bwMode="auto">
-          <a:xfrm>
-            <a:off x="8426228" y="4820335"/>
-            <a:ext cx="360000" cy="135854"/>
-          </a:xfrm>
-          <a:prstGeom prst="rect">
-            <a:avLst/>
-          </a:prstGeom>
-          <a:noFill/>
-          <a:extLst>
-            <a:ext uri="{909E8E84-426E-40DD-AFC4-6F175D3DCCD1}">
-              <a14:hiddenFill xmlns:a14="http://schemas.microsoft.com/office/drawing/2010/main">
-                <a:solidFill>
-                  <a:srgbClr val="FFFFFF"/>
-                </a:solidFill>
-              </a14:hiddenFill>
-            </a:ext>
-          </a:extLst>
-        </p:spPr>
-      </p:pic>
-      <p:sp>
-        <p:nvSpPr>
-          <p:cNvPr id="15" name="Textfeld 14">
-            <a:extLst>
-              <a:ext uri="{FF2B5EF4-FFF2-40B4-BE49-F238E27FC236}">
-                <a16:creationId xmlns:a16="http://schemas.microsoft.com/office/drawing/2014/main" id="{1BD9B7C1-5860-C447-7FC6-D510200F75A2}"/>
-              </a:ext>
-            </a:extLst>
-          </p:cNvPr>
-          <p:cNvSpPr txBox="1"/>
-          <p:nvPr/>
-        </p:nvSpPr>
-        <p:spPr>
-          <a:xfrm>
-            <a:off x="354210" y="590573"/>
-            <a:ext cx="7674550" cy="492443"/>
-          </a:xfrm>
-          <a:prstGeom prst="rect">
-            <a:avLst/>
-          </a:prstGeom>
-          <a:noFill/>
-        </p:spPr>
-        <p:txBody>
-          <a:bodyPr wrap="square" lIns="0" tIns="0" rIns="0" bIns="0" rtlCol="0">
-            <a:spAutoFit/>
-          </a:bodyPr>
-          <a:lstStyle/>
-          <a:p>
-            <a:pPr>
-              <a:spcAft>
-                <a:spcPts val="600"/>
-              </a:spcAft>
-            </a:pPr>
-            <a:r>
-              <a:rPr lang="de-DE" sz="3200" dirty="0">
-                <a:solidFill>
-                  <a:schemeClr val="bg1"/>
-                </a:solidFill>
-                <a:latin typeface="+mj-lt"/>
-              </a:rPr>
-              <a:t>Helm –</a:t>
-            </a:r>
-            <a:r>
-              <a:rPr lang="de-DE" sz="3200" dirty="0" err="1">
-                <a:solidFill>
-                  <a:schemeClr val="bg1"/>
-                </a:solidFill>
-                <a:latin typeface="+mj-lt"/>
-              </a:rPr>
-              <a:t>Functions</a:t>
-            </a:r>
-            <a:r>
-              <a:rPr lang="de-DE" sz="3200" dirty="0">
-                <a:solidFill>
-                  <a:schemeClr val="bg1"/>
-                </a:solidFill>
-                <a:latin typeface="+mj-lt"/>
-              </a:rPr>
-              <a:t> and Pipelines</a:t>
-            </a:r>
-          </a:p>
-        </p:txBody>
-      </p:sp>
-      <p:sp>
-        <p:nvSpPr>
-          <p:cNvPr id="2" name="Fußzeilenplatzhalter 6">
-            <a:extLst>
-              <a:ext uri="{FF2B5EF4-FFF2-40B4-BE49-F238E27FC236}">
-                <a16:creationId xmlns:a16="http://schemas.microsoft.com/office/drawing/2014/main" id="{A0B7C6DE-253F-0374-F735-8A4174830D91}"/>
-              </a:ext>
-            </a:extLst>
-          </p:cNvPr>
-          <p:cNvSpPr>
-            <a:spLocks noGrp="1"/>
-          </p:cNvSpPr>
-          <p:nvPr>
-            <p:ph type="ftr" sz="quarter" idx="3"/>
-          </p:nvPr>
-        </p:nvSpPr>
-        <p:spPr>
-          <a:xfrm>
-            <a:off x="354210" y="301275"/>
-            <a:ext cx="5580000" cy="139611"/>
-          </a:xfrm>
-        </p:spPr>
-        <p:txBody>
-          <a:bodyPr/>
-          <a:lstStyle/>
-          <a:p>
-            <a:r>
-              <a:rPr lang="de-CH" dirty="0"/>
-              <a:t>Helm</a:t>
-            </a:r>
-          </a:p>
-        </p:txBody>
-      </p:sp>
-      <p:sp>
-        <p:nvSpPr>
-          <p:cNvPr id="13" name="Rechteck 12">
-            <a:extLst>
-              <a:ext uri="{FF2B5EF4-FFF2-40B4-BE49-F238E27FC236}">
-                <a16:creationId xmlns:a16="http://schemas.microsoft.com/office/drawing/2014/main" id="{5732D903-9239-BAAE-756E-28573EF086BB}"/>
-              </a:ext>
-            </a:extLst>
-          </p:cNvPr>
-          <p:cNvSpPr/>
-          <p:nvPr/>
-        </p:nvSpPr>
-        <p:spPr>
-          <a:xfrm>
-            <a:off x="354210" y="1215935"/>
-            <a:ext cx="8432018" cy="3336992"/>
-          </a:xfrm>
-          <a:prstGeom prst="rect">
-            <a:avLst/>
-          </a:prstGeom>
-          <a:solidFill>
-            <a:schemeClr val="accent5"/>
-          </a:solidFill>
-          <a:ln>
-            <a:noFill/>
-          </a:ln>
-        </p:spPr>
-        <p:style>
-          <a:lnRef idx="2">
-            <a:schemeClr val="accent1">
-              <a:shade val="50000"/>
-            </a:schemeClr>
-          </a:lnRef>
-          <a:fillRef idx="1">
-            <a:schemeClr val="accent1"/>
-          </a:fillRef>
-          <a:effectRef idx="0">
-            <a:schemeClr val="accent1"/>
-          </a:effectRef>
-          <a:fontRef idx="minor">
-            <a:schemeClr val="lt1"/>
-          </a:fontRef>
-        </p:style>
-        <p:txBody>
-          <a:bodyPr rtlCol="0" anchor="ctr"/>
-          <a:lstStyle/>
-          <a:p>
-            <a:pPr algn="ctr"/>
-            <a:endParaRPr lang="de-DE" dirty="0"/>
-          </a:p>
-        </p:txBody>
-      </p:sp>
-      <p:sp>
-        <p:nvSpPr>
-          <p:cNvPr id="12" name="Textfeld 11">
-            <a:extLst>
-              <a:ext uri="{FF2B5EF4-FFF2-40B4-BE49-F238E27FC236}">
-                <a16:creationId xmlns:a16="http://schemas.microsoft.com/office/drawing/2014/main" id="{0099B699-3AAC-986E-95BB-CA2E13FFA9E5}"/>
-              </a:ext>
-            </a:extLst>
-          </p:cNvPr>
-          <p:cNvSpPr txBox="1"/>
-          <p:nvPr/>
-        </p:nvSpPr>
-        <p:spPr>
-          <a:xfrm>
-            <a:off x="752487" y="1527206"/>
-            <a:ext cx="7276273" cy="2031325"/>
-          </a:xfrm>
-          <a:prstGeom prst="rect">
-            <a:avLst/>
-          </a:prstGeom>
-          <a:noFill/>
-        </p:spPr>
-        <p:txBody>
-          <a:bodyPr wrap="square">
-            <a:spAutoFit/>
-          </a:bodyPr>
-          <a:lstStyle/>
-          <a:p>
-            <a:pPr marL="285750" indent="-285750">
-              <a:buFontTx/>
-              <a:buChar char="-"/>
-            </a:pPr>
-            <a:r>
-              <a:rPr lang="de-CH" dirty="0" err="1">
-                <a:solidFill>
-                  <a:srgbClr val="333333"/>
-                </a:solidFill>
-                <a:latin typeface="Public Sans"/>
-              </a:rPr>
-              <a:t>Functions</a:t>
-            </a:r>
-            <a:r>
-              <a:rPr lang="de-CH" dirty="0">
-                <a:solidFill>
-                  <a:srgbClr val="333333"/>
-                </a:solidFill>
-                <a:latin typeface="Public Sans"/>
-              </a:rPr>
-              <a:t> </a:t>
-            </a:r>
-            <a:r>
-              <a:rPr lang="de-CH" dirty="0" err="1">
-                <a:solidFill>
-                  <a:srgbClr val="333333"/>
-                </a:solidFill>
-                <a:latin typeface="Public Sans"/>
-              </a:rPr>
-              <a:t>can</a:t>
-            </a:r>
-            <a:r>
-              <a:rPr lang="de-CH" dirty="0">
-                <a:solidFill>
-                  <a:srgbClr val="333333"/>
-                </a:solidFill>
-                <a:latin typeface="Public Sans"/>
-              </a:rPr>
-              <a:t> </a:t>
-            </a:r>
-            <a:r>
-              <a:rPr lang="de-CH" dirty="0" err="1">
-                <a:solidFill>
-                  <a:srgbClr val="333333"/>
-                </a:solidFill>
-                <a:latin typeface="Public Sans"/>
-              </a:rPr>
-              <a:t>use</a:t>
-            </a:r>
-            <a:r>
-              <a:rPr lang="de-CH" dirty="0">
-                <a:solidFill>
-                  <a:srgbClr val="333333"/>
-                </a:solidFill>
-                <a:latin typeface="Public Sans"/>
-              </a:rPr>
-              <a:t> </a:t>
-            </a:r>
-            <a:r>
-              <a:rPr lang="de-CH" dirty="0" err="1">
-                <a:solidFill>
-                  <a:srgbClr val="333333"/>
-                </a:solidFill>
-                <a:latin typeface="Public Sans"/>
-              </a:rPr>
-              <a:t>for</a:t>
-            </a:r>
-            <a:r>
-              <a:rPr lang="de-CH" dirty="0">
-                <a:solidFill>
-                  <a:srgbClr val="333333"/>
-                </a:solidFill>
-                <a:latin typeface="Public Sans"/>
-              </a:rPr>
-              <a:t> </a:t>
-            </a:r>
-            <a:r>
-              <a:rPr lang="de-CH" dirty="0" err="1">
-                <a:solidFill>
-                  <a:srgbClr val="333333"/>
-                </a:solidFill>
-                <a:latin typeface="Public Sans"/>
-              </a:rPr>
-              <a:t>actions</a:t>
-            </a:r>
-            <a:endParaRPr lang="de-CH" dirty="0">
-              <a:solidFill>
-                <a:srgbClr val="333333"/>
-              </a:solidFill>
-              <a:latin typeface="Public Sans"/>
-            </a:endParaRPr>
-          </a:p>
-          <a:p>
-            <a:pPr marL="285750" indent="-285750">
-              <a:buFontTx/>
-              <a:buChar char="-"/>
-            </a:pPr>
-            <a:endParaRPr lang="de-CH" dirty="0">
-              <a:solidFill>
-                <a:srgbClr val="333333"/>
-              </a:solidFill>
-              <a:latin typeface="Public Sans"/>
-            </a:endParaRPr>
-          </a:p>
-          <a:p>
-            <a:pPr marL="285750" indent="-285750">
-              <a:buFontTx/>
-              <a:buChar char="-"/>
-            </a:pPr>
-            <a:r>
-              <a:rPr lang="de-CH" dirty="0" err="1">
-                <a:solidFill>
-                  <a:srgbClr val="333333"/>
-                </a:solidFill>
-                <a:latin typeface="Public Sans"/>
-              </a:rPr>
-              <a:t>Functions</a:t>
-            </a:r>
-            <a:r>
-              <a:rPr lang="de-CH" dirty="0">
-                <a:solidFill>
-                  <a:srgbClr val="333333"/>
-                </a:solidFill>
-                <a:latin typeface="Public Sans"/>
-              </a:rPr>
-              <a:t> </a:t>
-            </a:r>
-            <a:r>
-              <a:rPr lang="de-CH" dirty="0" err="1">
-                <a:solidFill>
-                  <a:srgbClr val="333333"/>
-                </a:solidFill>
-                <a:latin typeface="Public Sans"/>
-              </a:rPr>
-              <a:t>can</a:t>
-            </a:r>
-            <a:r>
-              <a:rPr lang="de-CH" dirty="0">
-                <a:solidFill>
-                  <a:srgbClr val="333333"/>
-                </a:solidFill>
-                <a:latin typeface="Public Sans"/>
-              </a:rPr>
-              <a:t> </a:t>
-            </a:r>
-            <a:r>
-              <a:rPr lang="de-CH" dirty="0" err="1">
-                <a:solidFill>
-                  <a:srgbClr val="333333"/>
-                </a:solidFill>
-                <a:latin typeface="Public Sans"/>
-              </a:rPr>
-              <a:t>be</a:t>
-            </a:r>
-            <a:r>
-              <a:rPr lang="de-CH" dirty="0">
-                <a:solidFill>
-                  <a:srgbClr val="333333"/>
-                </a:solidFill>
-                <a:latin typeface="Public Sans"/>
-              </a:rPr>
-              <a:t> </a:t>
-            </a:r>
-            <a:r>
-              <a:rPr lang="de-CH" dirty="0" err="1">
-                <a:solidFill>
-                  <a:srgbClr val="333333"/>
-                </a:solidFill>
-                <a:latin typeface="Public Sans"/>
-              </a:rPr>
-              <a:t>used</a:t>
-            </a:r>
-            <a:r>
-              <a:rPr lang="de-CH" dirty="0">
-                <a:solidFill>
-                  <a:srgbClr val="333333"/>
-                </a:solidFill>
-                <a:latin typeface="Public Sans"/>
-              </a:rPr>
-              <a:t> </a:t>
-            </a:r>
-            <a:r>
-              <a:rPr lang="de-CH" dirty="0" err="1">
-                <a:solidFill>
-                  <a:srgbClr val="333333"/>
-                </a:solidFill>
-                <a:latin typeface="Public Sans"/>
-              </a:rPr>
-              <a:t>as</a:t>
-            </a:r>
-            <a:r>
-              <a:rPr lang="de-CH" dirty="0">
-                <a:solidFill>
-                  <a:srgbClr val="333333"/>
-                </a:solidFill>
-                <a:latin typeface="Public Sans"/>
-              </a:rPr>
-              <a:t> a </a:t>
-            </a:r>
-            <a:r>
-              <a:rPr lang="de-CH" dirty="0" err="1">
-                <a:solidFill>
-                  <a:srgbClr val="333333"/>
-                </a:solidFill>
-                <a:latin typeface="Public Sans"/>
-              </a:rPr>
-              <a:t>pipeline</a:t>
-            </a:r>
-            <a:r>
-              <a:rPr lang="de-CH" dirty="0">
-                <a:solidFill>
-                  <a:srgbClr val="333333"/>
-                </a:solidFill>
-                <a:latin typeface="Public Sans"/>
-              </a:rPr>
-              <a:t> </a:t>
-            </a:r>
-          </a:p>
-          <a:p>
-            <a:pPr marL="285750" indent="-285750">
-              <a:buFontTx/>
-              <a:buChar char="-"/>
-            </a:pPr>
-            <a:endParaRPr lang="de-CH" dirty="0">
-              <a:solidFill>
-                <a:srgbClr val="333333"/>
-              </a:solidFill>
-              <a:latin typeface="Public Sans"/>
-            </a:endParaRPr>
-          </a:p>
-          <a:p>
-            <a:pPr marL="285750" indent="-285750">
-              <a:buFontTx/>
-              <a:buChar char="-"/>
-            </a:pPr>
-            <a:endParaRPr lang="de-CH" dirty="0">
-              <a:solidFill>
-                <a:srgbClr val="333333"/>
-              </a:solidFill>
-              <a:latin typeface="Public Sans"/>
-            </a:endParaRPr>
-          </a:p>
-          <a:p>
-            <a:pPr marL="285750" indent="-285750">
-              <a:buFontTx/>
-              <a:buChar char="-"/>
-            </a:pPr>
-            <a:endParaRPr lang="de-CH" dirty="0">
-              <a:solidFill>
-                <a:srgbClr val="333333"/>
-              </a:solidFill>
-              <a:latin typeface="Public Sans"/>
-            </a:endParaRPr>
-          </a:p>
-          <a:p>
-            <a:pPr marL="285750" indent="-285750">
-              <a:buFontTx/>
-              <a:buChar char="-"/>
-            </a:pPr>
-            <a:r>
-              <a:rPr lang="de-CH" dirty="0">
-                <a:hlinkClick r:id="rId5"/>
-              </a:rPr>
-              <a:t>https://helm.sh/docs/chart_template_guide/function_list/</a:t>
-            </a:r>
-            <a:endParaRPr lang="de-CH" dirty="0">
-              <a:solidFill>
-                <a:srgbClr val="333333"/>
-              </a:solidFill>
-              <a:latin typeface="Public Sans"/>
-            </a:endParaRPr>
-          </a:p>
-        </p:txBody>
-      </p:sp>
-      <p:pic>
-        <p:nvPicPr>
-          <p:cNvPr id="4" name="Grafik 3" descr="Ein Bild, das Text enthält.&#10;&#10;Automatisch generierte Beschreibung">
-            <a:extLst>
-              <a:ext uri="{FF2B5EF4-FFF2-40B4-BE49-F238E27FC236}">
-                <a16:creationId xmlns:a16="http://schemas.microsoft.com/office/drawing/2014/main" id="{F4C0226E-4F25-BDD8-6449-52FF43AE9EBD}"/>
-              </a:ext>
-            </a:extLst>
-          </p:cNvPr>
-          <p:cNvPicPr>
-            <a:picLocks noChangeAspect="1"/>
-          </p:cNvPicPr>
-          <p:nvPr/>
-        </p:nvPicPr>
-        <p:blipFill>
-          <a:blip r:embed="rId6"/>
-          <a:stretch>
-            <a:fillRect/>
-          </a:stretch>
-        </p:blipFill>
-        <p:spPr>
-          <a:xfrm>
-            <a:off x="5044440" y="1527206"/>
-            <a:ext cx="2590800" cy="342900"/>
-          </a:xfrm>
-          <a:prstGeom prst="rect">
-            <a:avLst/>
-          </a:prstGeom>
-        </p:spPr>
-      </p:pic>
-      <p:pic>
-        <p:nvPicPr>
-          <p:cNvPr id="6" name="Grafik 5" descr="Ein Bild, das Text enthält.&#10;&#10;Automatisch generierte Beschreibung">
-            <a:extLst>
-              <a:ext uri="{FF2B5EF4-FFF2-40B4-BE49-F238E27FC236}">
-                <a16:creationId xmlns:a16="http://schemas.microsoft.com/office/drawing/2014/main" id="{9ED7883E-8262-0F40-031D-E1125154AE74}"/>
-              </a:ext>
-            </a:extLst>
-          </p:cNvPr>
-          <p:cNvPicPr>
-            <a:picLocks noChangeAspect="1"/>
-          </p:cNvPicPr>
-          <p:nvPr/>
-        </p:nvPicPr>
-        <p:blipFill>
-          <a:blip r:embed="rId7"/>
-          <a:stretch>
-            <a:fillRect/>
-          </a:stretch>
-        </p:blipFill>
-        <p:spPr>
-          <a:xfrm>
-            <a:off x="4942840" y="2085668"/>
-            <a:ext cx="2794000" cy="419100"/>
-          </a:xfrm>
-          <a:prstGeom prst="rect">
-            <a:avLst/>
-          </a:prstGeom>
-        </p:spPr>
-      </p:pic>
-    </p:spTree>
-    <p:custDataLst>
-      <p:tags r:id="rId1"/>
-    </p:custDataLst>
-    <p:extLst>
-      <p:ext uri="{BB962C8B-B14F-4D97-AF65-F5344CB8AC3E}">
-        <p14:creationId xmlns:p14="http://schemas.microsoft.com/office/powerpoint/2010/main" val="891152228"/>
-      </p:ext>
-    </p:extLst>
-  </p:cSld>
-  <p:clrMapOvr>
-    <a:masterClrMapping/>
-  </p:clrMapOvr>
-</p:sld>
-</file>
-
-<file path=ppt/slides/slide26.xml><?xml version="1.0" encoding="utf-8"?>
-<p:sld xmlns:a="http://schemas.openxmlformats.org/drawingml/2006/main" xmlns:r="http://schemas.openxmlformats.org/officeDocument/2006/relationships" xmlns:p="http://schemas.openxmlformats.org/presentationml/2006/main">
-  <p:cSld>
-    <p:spTree>
-      <p:nvGrpSpPr>
-        <p:cNvPr id="1" name=""/>
-        <p:cNvGrpSpPr/>
-        <p:nvPr/>
-      </p:nvGrpSpPr>
-      <p:grpSpPr>
-        <a:xfrm>
-          <a:off x="0" y="0"/>
-          <a:ext cx="0" cy="0"/>
-          <a:chOff x="0" y="0"/>
-          <a:chExt cx="0" cy="0"/>
-        </a:xfrm>
-      </p:grpSpPr>
-      <p:pic>
-        <p:nvPicPr>
-          <p:cNvPr id="37" name="Picture 2" descr="C:\Users\ses\Desktop\ti8m_logo_2014_CMYK.png">
-            <a:extLst>
-              <a:ext uri="{FF2B5EF4-FFF2-40B4-BE49-F238E27FC236}">
-                <a16:creationId xmlns:a16="http://schemas.microsoft.com/office/drawing/2014/main" id="{C266C303-516D-2245-88FB-5B3B9717F8F5}"/>
-              </a:ext>
-            </a:extLst>
-          </p:cNvPr>
-          <p:cNvPicPr preferRelativeResize="0">
-            <a:picLocks noChangeAspect="1" noChangeArrowheads="1"/>
-          </p:cNvPicPr>
-          <p:nvPr/>
-        </p:nvPicPr>
-        <p:blipFill rotWithShape="1">
-          <a:blip r:embed="rId4" cstate="email">
-            <a:biLevel thresh="25000"/>
-            <a:alphaModFix/>
-            <a:extLst>
-              <a:ext uri="{28A0092B-C50C-407E-A947-70E740481C1C}">
-                <a14:useLocalDpi xmlns:a14="http://schemas.microsoft.com/office/drawing/2010/main"/>
-              </a:ext>
-            </a:extLst>
-          </a:blip>
-          <a:srcRect b="20184"/>
-          <a:stretch/>
-        </p:blipFill>
-        <p:spPr bwMode="auto">
-          <a:xfrm>
-            <a:off x="8426228" y="4820335"/>
-            <a:ext cx="360000" cy="135854"/>
-          </a:xfrm>
-          <a:prstGeom prst="rect">
-            <a:avLst/>
-          </a:prstGeom>
-          <a:noFill/>
-          <a:extLst>
-            <a:ext uri="{909E8E84-426E-40DD-AFC4-6F175D3DCCD1}">
-              <a14:hiddenFill xmlns:a14="http://schemas.microsoft.com/office/drawing/2010/main">
-                <a:solidFill>
-                  <a:srgbClr val="FFFFFF"/>
-                </a:solidFill>
-              </a14:hiddenFill>
-            </a:ext>
-          </a:extLst>
-        </p:spPr>
-      </p:pic>
-      <p:sp>
-        <p:nvSpPr>
-          <p:cNvPr id="15" name="Textfeld 14">
-            <a:extLst>
-              <a:ext uri="{FF2B5EF4-FFF2-40B4-BE49-F238E27FC236}">
-                <a16:creationId xmlns:a16="http://schemas.microsoft.com/office/drawing/2014/main" id="{1BD9B7C1-5860-C447-7FC6-D510200F75A2}"/>
-              </a:ext>
-            </a:extLst>
-          </p:cNvPr>
-          <p:cNvSpPr txBox="1"/>
-          <p:nvPr/>
-        </p:nvSpPr>
-        <p:spPr>
-          <a:xfrm>
-            <a:off x="354210" y="590573"/>
-            <a:ext cx="7674550" cy="492443"/>
-          </a:xfrm>
-          <a:prstGeom prst="rect">
-            <a:avLst/>
-          </a:prstGeom>
-          <a:noFill/>
-        </p:spPr>
-        <p:txBody>
-          <a:bodyPr wrap="square" lIns="0" tIns="0" rIns="0" bIns="0" rtlCol="0">
-            <a:spAutoFit/>
-          </a:bodyPr>
-          <a:lstStyle/>
-          <a:p>
-            <a:pPr>
-              <a:spcAft>
-                <a:spcPts val="600"/>
-              </a:spcAft>
-            </a:pPr>
-            <a:r>
-              <a:rPr lang="de-DE" sz="3200" dirty="0">
-                <a:solidFill>
-                  <a:schemeClr val="bg1"/>
-                </a:solidFill>
-                <a:latin typeface="+mj-lt"/>
-              </a:rPr>
-              <a:t>Helm –</a:t>
-            </a:r>
-            <a:r>
-              <a:rPr lang="de-DE" sz="3200" dirty="0" err="1">
-                <a:solidFill>
-                  <a:schemeClr val="bg1"/>
-                </a:solidFill>
-                <a:latin typeface="+mj-lt"/>
-              </a:rPr>
-              <a:t>Functions</a:t>
-            </a:r>
-            <a:r>
-              <a:rPr lang="de-DE" sz="3200" dirty="0">
-                <a:solidFill>
-                  <a:schemeClr val="bg1"/>
-                </a:solidFill>
-                <a:latin typeface="+mj-lt"/>
-              </a:rPr>
-              <a:t> and Pipelines</a:t>
-            </a:r>
-          </a:p>
-        </p:txBody>
-      </p:sp>
-      <p:sp>
-        <p:nvSpPr>
-          <p:cNvPr id="2" name="Fußzeilenplatzhalter 6">
-            <a:extLst>
-              <a:ext uri="{FF2B5EF4-FFF2-40B4-BE49-F238E27FC236}">
-                <a16:creationId xmlns:a16="http://schemas.microsoft.com/office/drawing/2014/main" id="{A0B7C6DE-253F-0374-F735-8A4174830D91}"/>
-              </a:ext>
-            </a:extLst>
-          </p:cNvPr>
-          <p:cNvSpPr>
-            <a:spLocks noGrp="1"/>
-          </p:cNvSpPr>
-          <p:nvPr>
-            <p:ph type="ftr" sz="quarter" idx="3"/>
-          </p:nvPr>
-        </p:nvSpPr>
-        <p:spPr>
-          <a:xfrm>
-            <a:off x="354210" y="301275"/>
-            <a:ext cx="5580000" cy="139611"/>
-          </a:xfrm>
-        </p:spPr>
-        <p:txBody>
-          <a:bodyPr/>
-          <a:lstStyle/>
-          <a:p>
-            <a:r>
-              <a:rPr lang="de-CH" dirty="0"/>
-              <a:t>Helm</a:t>
-            </a:r>
-          </a:p>
-        </p:txBody>
-      </p:sp>
-      <p:sp>
-        <p:nvSpPr>
-          <p:cNvPr id="13" name="Rechteck 12">
-            <a:extLst>
-              <a:ext uri="{FF2B5EF4-FFF2-40B4-BE49-F238E27FC236}">
-                <a16:creationId xmlns:a16="http://schemas.microsoft.com/office/drawing/2014/main" id="{5732D903-9239-BAAE-756E-28573EF086BB}"/>
-              </a:ext>
-            </a:extLst>
-          </p:cNvPr>
-          <p:cNvSpPr/>
-          <p:nvPr/>
-        </p:nvSpPr>
-        <p:spPr>
-          <a:xfrm>
-            <a:off x="354210" y="1215935"/>
-            <a:ext cx="8432018" cy="3336992"/>
-          </a:xfrm>
-          <a:prstGeom prst="rect">
-            <a:avLst/>
-          </a:prstGeom>
-          <a:solidFill>
-            <a:schemeClr val="accent5"/>
-          </a:solidFill>
-          <a:ln>
-            <a:noFill/>
-          </a:ln>
-        </p:spPr>
-        <p:style>
-          <a:lnRef idx="2">
-            <a:schemeClr val="accent1">
-              <a:shade val="50000"/>
-            </a:schemeClr>
-          </a:lnRef>
-          <a:fillRef idx="1">
-            <a:schemeClr val="accent1"/>
-          </a:fillRef>
-          <a:effectRef idx="0">
-            <a:schemeClr val="accent1"/>
-          </a:effectRef>
-          <a:fontRef idx="minor">
-            <a:schemeClr val="lt1"/>
-          </a:fontRef>
-        </p:style>
-        <p:txBody>
-          <a:bodyPr rtlCol="0" anchor="ctr"/>
-          <a:lstStyle/>
-          <a:p>
-            <a:pPr algn="ctr"/>
-            <a:endParaRPr lang="de-DE" dirty="0"/>
-          </a:p>
-        </p:txBody>
-      </p:sp>
-      <p:sp>
-        <p:nvSpPr>
-          <p:cNvPr id="12" name="Textfeld 11">
-            <a:extLst>
-              <a:ext uri="{FF2B5EF4-FFF2-40B4-BE49-F238E27FC236}">
-                <a16:creationId xmlns:a16="http://schemas.microsoft.com/office/drawing/2014/main" id="{0099B699-3AAC-986E-95BB-CA2E13FFA9E5}"/>
-              </a:ext>
-            </a:extLst>
-          </p:cNvPr>
-          <p:cNvSpPr txBox="1"/>
-          <p:nvPr/>
-        </p:nvSpPr>
-        <p:spPr>
-          <a:xfrm>
-            <a:off x="752487" y="1527206"/>
-            <a:ext cx="7276273" cy="2031325"/>
-          </a:xfrm>
-          <a:prstGeom prst="rect">
-            <a:avLst/>
-          </a:prstGeom>
-          <a:noFill/>
-        </p:spPr>
-        <p:txBody>
-          <a:bodyPr wrap="square">
-            <a:spAutoFit/>
-          </a:bodyPr>
-          <a:lstStyle/>
-          <a:p>
-            <a:pPr marL="285750" indent="-285750">
-              <a:buFontTx/>
-              <a:buChar char="-"/>
-            </a:pPr>
-            <a:r>
-              <a:rPr lang="de-CH" dirty="0" err="1">
-                <a:solidFill>
-                  <a:srgbClr val="333333"/>
-                </a:solidFill>
-                <a:latin typeface="Public Sans"/>
-              </a:rPr>
-              <a:t>Functions</a:t>
-            </a:r>
-            <a:r>
-              <a:rPr lang="de-CH" dirty="0">
-                <a:solidFill>
-                  <a:srgbClr val="333333"/>
-                </a:solidFill>
-                <a:latin typeface="Public Sans"/>
-              </a:rPr>
-              <a:t> </a:t>
-            </a:r>
-            <a:r>
-              <a:rPr lang="de-CH" dirty="0" err="1">
-                <a:solidFill>
-                  <a:srgbClr val="333333"/>
-                </a:solidFill>
-                <a:latin typeface="Public Sans"/>
-              </a:rPr>
-              <a:t>can</a:t>
-            </a:r>
-            <a:r>
-              <a:rPr lang="de-CH" dirty="0">
-                <a:solidFill>
-                  <a:srgbClr val="333333"/>
-                </a:solidFill>
-                <a:latin typeface="Public Sans"/>
-              </a:rPr>
-              <a:t> </a:t>
-            </a:r>
-            <a:r>
-              <a:rPr lang="de-CH" dirty="0" err="1">
-                <a:solidFill>
-                  <a:srgbClr val="333333"/>
-                </a:solidFill>
-                <a:latin typeface="Public Sans"/>
-              </a:rPr>
-              <a:t>use</a:t>
-            </a:r>
-            <a:r>
-              <a:rPr lang="de-CH" dirty="0">
-                <a:solidFill>
-                  <a:srgbClr val="333333"/>
-                </a:solidFill>
-                <a:latin typeface="Public Sans"/>
-              </a:rPr>
-              <a:t> </a:t>
-            </a:r>
-            <a:r>
-              <a:rPr lang="de-CH" dirty="0" err="1">
-                <a:solidFill>
-                  <a:srgbClr val="333333"/>
-                </a:solidFill>
-                <a:latin typeface="Public Sans"/>
-              </a:rPr>
-              <a:t>for</a:t>
-            </a:r>
-            <a:r>
-              <a:rPr lang="de-CH" dirty="0">
-                <a:solidFill>
-                  <a:srgbClr val="333333"/>
-                </a:solidFill>
-                <a:latin typeface="Public Sans"/>
-              </a:rPr>
-              <a:t> </a:t>
-            </a:r>
-            <a:r>
-              <a:rPr lang="de-CH" dirty="0" err="1">
-                <a:solidFill>
-                  <a:srgbClr val="333333"/>
-                </a:solidFill>
-                <a:latin typeface="Public Sans"/>
-              </a:rPr>
-              <a:t>actions</a:t>
-            </a:r>
-            <a:endParaRPr lang="de-CH" dirty="0">
-              <a:solidFill>
-                <a:srgbClr val="333333"/>
-              </a:solidFill>
-              <a:latin typeface="Public Sans"/>
-            </a:endParaRPr>
-          </a:p>
-          <a:p>
-            <a:pPr marL="285750" indent="-285750">
-              <a:buFontTx/>
-              <a:buChar char="-"/>
-            </a:pPr>
-            <a:endParaRPr lang="de-CH" dirty="0">
-              <a:solidFill>
-                <a:srgbClr val="333333"/>
-              </a:solidFill>
-              <a:latin typeface="Public Sans"/>
-            </a:endParaRPr>
-          </a:p>
-          <a:p>
-            <a:pPr marL="285750" indent="-285750">
-              <a:buFontTx/>
-              <a:buChar char="-"/>
-            </a:pPr>
-            <a:r>
-              <a:rPr lang="de-CH" dirty="0" err="1">
-                <a:solidFill>
-                  <a:srgbClr val="333333"/>
-                </a:solidFill>
-                <a:latin typeface="Public Sans"/>
-              </a:rPr>
-              <a:t>Functions</a:t>
-            </a:r>
-            <a:r>
-              <a:rPr lang="de-CH" dirty="0">
-                <a:solidFill>
-                  <a:srgbClr val="333333"/>
-                </a:solidFill>
-                <a:latin typeface="Public Sans"/>
-              </a:rPr>
-              <a:t> </a:t>
-            </a:r>
-            <a:r>
-              <a:rPr lang="de-CH" dirty="0" err="1">
-                <a:solidFill>
-                  <a:srgbClr val="333333"/>
-                </a:solidFill>
-                <a:latin typeface="Public Sans"/>
-              </a:rPr>
-              <a:t>can</a:t>
-            </a:r>
-            <a:r>
-              <a:rPr lang="de-CH" dirty="0">
-                <a:solidFill>
-                  <a:srgbClr val="333333"/>
-                </a:solidFill>
-                <a:latin typeface="Public Sans"/>
-              </a:rPr>
-              <a:t> </a:t>
-            </a:r>
-            <a:r>
-              <a:rPr lang="de-CH" dirty="0" err="1">
-                <a:solidFill>
-                  <a:srgbClr val="333333"/>
-                </a:solidFill>
-                <a:latin typeface="Public Sans"/>
-              </a:rPr>
-              <a:t>be</a:t>
-            </a:r>
-            <a:r>
-              <a:rPr lang="de-CH" dirty="0">
-                <a:solidFill>
-                  <a:srgbClr val="333333"/>
-                </a:solidFill>
-                <a:latin typeface="Public Sans"/>
-              </a:rPr>
-              <a:t> </a:t>
-            </a:r>
-            <a:r>
-              <a:rPr lang="de-CH" dirty="0" err="1">
-                <a:solidFill>
-                  <a:srgbClr val="333333"/>
-                </a:solidFill>
-                <a:latin typeface="Public Sans"/>
-              </a:rPr>
-              <a:t>used</a:t>
-            </a:r>
-            <a:r>
-              <a:rPr lang="de-CH" dirty="0">
-                <a:solidFill>
-                  <a:srgbClr val="333333"/>
-                </a:solidFill>
-                <a:latin typeface="Public Sans"/>
-              </a:rPr>
-              <a:t> </a:t>
-            </a:r>
-            <a:r>
-              <a:rPr lang="de-CH" dirty="0" err="1">
-                <a:solidFill>
-                  <a:srgbClr val="333333"/>
-                </a:solidFill>
-                <a:latin typeface="Public Sans"/>
-              </a:rPr>
-              <a:t>as</a:t>
-            </a:r>
-            <a:r>
-              <a:rPr lang="de-CH" dirty="0">
-                <a:solidFill>
-                  <a:srgbClr val="333333"/>
-                </a:solidFill>
-                <a:latin typeface="Public Sans"/>
-              </a:rPr>
-              <a:t> a </a:t>
-            </a:r>
-            <a:r>
-              <a:rPr lang="de-CH" dirty="0" err="1">
-                <a:solidFill>
-                  <a:srgbClr val="333333"/>
-                </a:solidFill>
-                <a:latin typeface="Public Sans"/>
-              </a:rPr>
-              <a:t>pipeline</a:t>
-            </a:r>
-            <a:r>
-              <a:rPr lang="de-CH" dirty="0">
-                <a:solidFill>
-                  <a:srgbClr val="333333"/>
-                </a:solidFill>
-                <a:latin typeface="Public Sans"/>
-              </a:rPr>
-              <a:t> </a:t>
-            </a:r>
-          </a:p>
-          <a:p>
-            <a:pPr marL="285750" indent="-285750">
-              <a:buFontTx/>
-              <a:buChar char="-"/>
-            </a:pPr>
-            <a:endParaRPr lang="de-CH" dirty="0">
-              <a:solidFill>
-                <a:srgbClr val="333333"/>
-              </a:solidFill>
-              <a:latin typeface="Public Sans"/>
-            </a:endParaRPr>
-          </a:p>
-          <a:p>
-            <a:pPr marL="285750" indent="-285750">
-              <a:buFontTx/>
-              <a:buChar char="-"/>
-            </a:pPr>
-            <a:endParaRPr lang="de-CH" dirty="0">
-              <a:solidFill>
-                <a:srgbClr val="333333"/>
-              </a:solidFill>
-              <a:latin typeface="Public Sans"/>
-            </a:endParaRPr>
-          </a:p>
-          <a:p>
-            <a:pPr marL="285750" indent="-285750">
-              <a:buFontTx/>
-              <a:buChar char="-"/>
-            </a:pPr>
-            <a:endParaRPr lang="de-CH" dirty="0">
-              <a:solidFill>
-                <a:srgbClr val="333333"/>
-              </a:solidFill>
-              <a:latin typeface="Public Sans"/>
-            </a:endParaRPr>
-          </a:p>
-          <a:p>
-            <a:pPr marL="285750" indent="-285750">
-              <a:buFontTx/>
-              <a:buChar char="-"/>
-            </a:pPr>
-            <a:r>
-              <a:rPr lang="de-CH" dirty="0">
-                <a:hlinkClick r:id="rId5"/>
-              </a:rPr>
-              <a:t>https://helm.sh/docs/chart_template_guide/function_list/</a:t>
-            </a:r>
-            <a:endParaRPr lang="de-CH" dirty="0">
-              <a:solidFill>
-                <a:srgbClr val="333333"/>
-              </a:solidFill>
-              <a:latin typeface="Public Sans"/>
-            </a:endParaRPr>
-          </a:p>
-        </p:txBody>
-      </p:sp>
-      <p:pic>
-        <p:nvPicPr>
-          <p:cNvPr id="4" name="Grafik 3" descr="Ein Bild, das Text enthält.&#10;&#10;Automatisch generierte Beschreibung">
-            <a:extLst>
-              <a:ext uri="{FF2B5EF4-FFF2-40B4-BE49-F238E27FC236}">
-                <a16:creationId xmlns:a16="http://schemas.microsoft.com/office/drawing/2014/main" id="{F4C0226E-4F25-BDD8-6449-52FF43AE9EBD}"/>
-              </a:ext>
-            </a:extLst>
-          </p:cNvPr>
-          <p:cNvPicPr>
-            <a:picLocks noChangeAspect="1"/>
-          </p:cNvPicPr>
-          <p:nvPr/>
-        </p:nvPicPr>
-        <p:blipFill>
-          <a:blip r:embed="rId6"/>
-          <a:stretch>
-            <a:fillRect/>
-          </a:stretch>
-        </p:blipFill>
-        <p:spPr>
-          <a:xfrm>
-            <a:off x="5044440" y="1527206"/>
-            <a:ext cx="2590800" cy="342900"/>
-          </a:xfrm>
-          <a:prstGeom prst="rect">
-            <a:avLst/>
-          </a:prstGeom>
-        </p:spPr>
-      </p:pic>
-      <p:pic>
-        <p:nvPicPr>
-          <p:cNvPr id="6" name="Grafik 5" descr="Ein Bild, das Text enthält.&#10;&#10;Automatisch generierte Beschreibung">
-            <a:extLst>
-              <a:ext uri="{FF2B5EF4-FFF2-40B4-BE49-F238E27FC236}">
-                <a16:creationId xmlns:a16="http://schemas.microsoft.com/office/drawing/2014/main" id="{9ED7883E-8262-0F40-031D-E1125154AE74}"/>
-              </a:ext>
-            </a:extLst>
-          </p:cNvPr>
-          <p:cNvPicPr>
-            <a:picLocks noChangeAspect="1"/>
-          </p:cNvPicPr>
-          <p:nvPr/>
-        </p:nvPicPr>
-        <p:blipFill>
-          <a:blip r:embed="rId7"/>
-          <a:stretch>
-            <a:fillRect/>
-          </a:stretch>
-        </p:blipFill>
-        <p:spPr>
-          <a:xfrm>
-            <a:off x="4942840" y="2085668"/>
-            <a:ext cx="2794000" cy="419100"/>
-          </a:xfrm>
-          <a:prstGeom prst="rect">
-            <a:avLst/>
-          </a:prstGeom>
-        </p:spPr>
-      </p:pic>
-    </p:spTree>
-    <p:custDataLst>
-      <p:tags r:id="rId1"/>
-    </p:custDataLst>
-    <p:extLst>
-      <p:ext uri="{BB962C8B-B14F-4D97-AF65-F5344CB8AC3E}">
-        <p14:creationId xmlns:p14="http://schemas.microsoft.com/office/powerpoint/2010/main" val="1839324914"/>
-      </p:ext>
-    </p:extLst>
-  </p:cSld>
-  <p:clrMapOvr>
-    <a:masterClrMapping/>
-  </p:clrMapOvr>
-</p:sld>
-</file>
-
-<file path=ppt/slides/slide27.xml><?xml version="1.0" encoding="utf-8"?>
-<p:sld xmlns:a="http://schemas.openxmlformats.org/drawingml/2006/main" xmlns:r="http://schemas.openxmlformats.org/officeDocument/2006/relationships" xmlns:p="http://schemas.openxmlformats.org/presentationml/2006/main" show="0">
-  <p:cSld>
-    <p:spTree>
-      <p:nvGrpSpPr>
-        <p:cNvPr id="1" name=""/>
-        <p:cNvGrpSpPr/>
-        <p:nvPr/>
-      </p:nvGrpSpPr>
-      <p:grpSpPr>
-        <a:xfrm>
-          <a:off x="0" y="0"/>
-          <a:ext cx="0" cy="0"/>
-          <a:chOff x="0" y="0"/>
-          <a:chExt cx="0" cy="0"/>
-        </a:xfrm>
-      </p:grpSpPr>
-      <p:pic>
-        <p:nvPicPr>
-          <p:cNvPr id="37" name="Picture 2" descr="C:\Users\ses\Desktop\ti8m_logo_2014_CMYK.png">
-            <a:extLst>
-              <a:ext uri="{FF2B5EF4-FFF2-40B4-BE49-F238E27FC236}">
-                <a16:creationId xmlns:a16="http://schemas.microsoft.com/office/drawing/2014/main" id="{C266C303-516D-2245-88FB-5B3B9717F8F5}"/>
-              </a:ext>
-            </a:extLst>
-          </p:cNvPr>
-          <p:cNvPicPr preferRelativeResize="0">
-            <a:picLocks noChangeAspect="1" noChangeArrowheads="1"/>
-          </p:cNvPicPr>
-          <p:nvPr/>
-        </p:nvPicPr>
-        <p:blipFill rotWithShape="1">
-          <a:blip r:embed="rId4" cstate="email">
-            <a:biLevel thresh="25000"/>
-            <a:alphaModFix/>
-            <a:extLst>
-              <a:ext uri="{28A0092B-C50C-407E-A947-70E740481C1C}">
-                <a14:useLocalDpi xmlns:a14="http://schemas.microsoft.com/office/drawing/2010/main"/>
-              </a:ext>
-            </a:extLst>
-          </a:blip>
-          <a:srcRect b="20184"/>
-          <a:stretch/>
-        </p:blipFill>
-        <p:spPr bwMode="auto">
-          <a:xfrm>
-            <a:off x="8426228" y="4820335"/>
-            <a:ext cx="360000" cy="135854"/>
-          </a:xfrm>
-          <a:prstGeom prst="rect">
-            <a:avLst/>
-          </a:prstGeom>
-          <a:noFill/>
-          <a:extLst>
-            <a:ext uri="{909E8E84-426E-40DD-AFC4-6F175D3DCCD1}">
-              <a14:hiddenFill xmlns:a14="http://schemas.microsoft.com/office/drawing/2010/main">
-                <a:solidFill>
-                  <a:srgbClr val="FFFFFF"/>
-                </a:solidFill>
-              </a14:hiddenFill>
-            </a:ext>
-          </a:extLst>
-        </p:spPr>
-      </p:pic>
-      <p:sp>
-        <p:nvSpPr>
-          <p:cNvPr id="15" name="Textfeld 14">
-            <a:extLst>
-              <a:ext uri="{FF2B5EF4-FFF2-40B4-BE49-F238E27FC236}">
-                <a16:creationId xmlns:a16="http://schemas.microsoft.com/office/drawing/2014/main" id="{1BD9B7C1-5860-C447-7FC6-D510200F75A2}"/>
-              </a:ext>
-            </a:extLst>
-          </p:cNvPr>
-          <p:cNvSpPr txBox="1"/>
-          <p:nvPr/>
-        </p:nvSpPr>
-        <p:spPr>
-          <a:xfrm>
-            <a:off x="354210" y="590573"/>
-            <a:ext cx="7674550" cy="1061829"/>
-          </a:xfrm>
-          <a:prstGeom prst="rect">
-            <a:avLst/>
-          </a:prstGeom>
-          <a:noFill/>
-        </p:spPr>
-        <p:txBody>
-          <a:bodyPr wrap="square" lIns="0" tIns="0" rIns="0" bIns="0" rtlCol="0">
-            <a:spAutoFit/>
-          </a:bodyPr>
-          <a:lstStyle/>
-          <a:p>
-            <a:pPr>
-              <a:spcAft>
-                <a:spcPts val="600"/>
-              </a:spcAft>
-            </a:pPr>
-            <a:r>
-              <a:rPr lang="de-DE" sz="3200" dirty="0">
-                <a:solidFill>
-                  <a:schemeClr val="bg1"/>
-                </a:solidFill>
-                <a:latin typeface="+mj-lt"/>
-              </a:rPr>
-              <a:t>Helm – Chart - </a:t>
-            </a:r>
-            <a:r>
-              <a:rPr lang="de-DE" sz="3200" dirty="0" err="1">
-                <a:solidFill>
-                  <a:schemeClr val="bg1"/>
-                </a:solidFill>
-                <a:latin typeface="+mj-lt"/>
-              </a:rPr>
-              <a:t>Types</a:t>
-            </a:r>
-            <a:endParaRPr lang="de-DE" sz="3200" dirty="0">
-              <a:solidFill>
-                <a:schemeClr val="bg1"/>
-              </a:solidFill>
-              <a:latin typeface="+mj-lt"/>
-            </a:endParaRPr>
-          </a:p>
-          <a:p>
-            <a:pPr>
-              <a:spcAft>
-                <a:spcPts val="600"/>
-              </a:spcAft>
-            </a:pPr>
-            <a:r>
-              <a:rPr lang="de-DE" sz="3200" dirty="0">
-                <a:solidFill>
-                  <a:schemeClr val="bg1"/>
-                </a:solidFill>
-                <a:latin typeface="+mj-lt"/>
-              </a:rPr>
-              <a:t> </a:t>
-            </a:r>
-          </a:p>
-        </p:txBody>
-      </p:sp>
-      <p:sp>
-        <p:nvSpPr>
-          <p:cNvPr id="2" name="Fußzeilenplatzhalter 6">
-            <a:extLst>
-              <a:ext uri="{FF2B5EF4-FFF2-40B4-BE49-F238E27FC236}">
-                <a16:creationId xmlns:a16="http://schemas.microsoft.com/office/drawing/2014/main" id="{A0B7C6DE-253F-0374-F735-8A4174830D91}"/>
-              </a:ext>
-            </a:extLst>
-          </p:cNvPr>
-          <p:cNvSpPr>
-            <a:spLocks noGrp="1"/>
-          </p:cNvSpPr>
-          <p:nvPr>
-            <p:ph type="ftr" sz="quarter" idx="3"/>
-          </p:nvPr>
-        </p:nvSpPr>
-        <p:spPr>
-          <a:xfrm>
-            <a:off x="354210" y="301275"/>
-            <a:ext cx="5580000" cy="139611"/>
-          </a:xfrm>
-        </p:spPr>
-        <p:txBody>
-          <a:bodyPr/>
-          <a:lstStyle/>
-          <a:p>
-            <a:r>
-              <a:rPr lang="de-CH" dirty="0"/>
-              <a:t>Helm</a:t>
-            </a:r>
-          </a:p>
-        </p:txBody>
-      </p:sp>
-      <p:sp>
-        <p:nvSpPr>
-          <p:cNvPr id="13" name="Rechteck 12">
-            <a:extLst>
-              <a:ext uri="{FF2B5EF4-FFF2-40B4-BE49-F238E27FC236}">
-                <a16:creationId xmlns:a16="http://schemas.microsoft.com/office/drawing/2014/main" id="{5732D903-9239-BAAE-756E-28573EF086BB}"/>
-              </a:ext>
-            </a:extLst>
-          </p:cNvPr>
-          <p:cNvSpPr/>
-          <p:nvPr/>
-        </p:nvSpPr>
-        <p:spPr>
-          <a:xfrm>
-            <a:off x="354210" y="1215935"/>
-            <a:ext cx="2822623" cy="3336992"/>
-          </a:xfrm>
-          <a:prstGeom prst="rect">
-            <a:avLst/>
-          </a:prstGeom>
-          <a:solidFill>
-            <a:schemeClr val="accent5"/>
-          </a:solidFill>
-          <a:ln>
-            <a:noFill/>
-          </a:ln>
-        </p:spPr>
-        <p:style>
-          <a:lnRef idx="2">
-            <a:schemeClr val="accent1">
-              <a:shade val="50000"/>
-            </a:schemeClr>
-          </a:lnRef>
-          <a:fillRef idx="1">
-            <a:schemeClr val="accent1"/>
-          </a:fillRef>
-          <a:effectRef idx="0">
-            <a:schemeClr val="accent1"/>
-          </a:effectRef>
-          <a:fontRef idx="minor">
-            <a:schemeClr val="lt1"/>
-          </a:fontRef>
-        </p:style>
-        <p:txBody>
-          <a:bodyPr rtlCol="0" anchor="t"/>
-          <a:lstStyle/>
-          <a:p>
-            <a:pPr algn="ctr"/>
-            <a:r>
-              <a:rPr lang="de-CH" b="0" i="0" dirty="0" err="1">
-                <a:solidFill>
-                  <a:srgbClr val="333333"/>
-                </a:solidFill>
-                <a:effectLst/>
-                <a:latin typeface="Public Sans"/>
-              </a:rPr>
-              <a:t>Application</a:t>
-            </a:r>
-            <a:r>
-              <a:rPr lang="de-CH" b="0" i="0" dirty="0">
-                <a:solidFill>
-                  <a:srgbClr val="333333"/>
-                </a:solidFill>
-                <a:effectLst/>
-                <a:latin typeface="Public Sans"/>
-              </a:rPr>
-              <a:t> Chart</a:t>
-            </a:r>
-          </a:p>
-          <a:p>
-            <a:pPr algn="ctr"/>
-            <a:r>
-              <a:rPr lang="de-CH" dirty="0">
-                <a:solidFill>
-                  <a:srgbClr val="333333"/>
-                </a:solidFill>
-                <a:latin typeface="Public Sans"/>
-              </a:rPr>
-              <a:t>=</a:t>
-            </a:r>
-          </a:p>
-          <a:p>
-            <a:pPr algn="ctr"/>
-            <a:r>
-              <a:rPr lang="de-CH" dirty="0">
-                <a:solidFill>
-                  <a:srgbClr val="333333"/>
-                </a:solidFill>
-                <a:latin typeface="Public Sans"/>
-              </a:rPr>
-              <a:t>1 </a:t>
-            </a:r>
-            <a:r>
-              <a:rPr lang="de-CH" dirty="0" err="1">
-                <a:solidFill>
-                  <a:srgbClr val="333333"/>
-                </a:solidFill>
-                <a:latin typeface="Public Sans"/>
-              </a:rPr>
-              <a:t>Application</a:t>
-            </a:r>
-            <a:endParaRPr lang="de-CH" dirty="0">
-              <a:solidFill>
-                <a:srgbClr val="333333"/>
-              </a:solidFill>
-              <a:latin typeface="Public Sans"/>
-            </a:endParaRPr>
-          </a:p>
-        </p:txBody>
-      </p:sp>
-      <p:sp>
-        <p:nvSpPr>
-          <p:cNvPr id="12" name="Textfeld 11">
-            <a:extLst>
-              <a:ext uri="{FF2B5EF4-FFF2-40B4-BE49-F238E27FC236}">
-                <a16:creationId xmlns:a16="http://schemas.microsoft.com/office/drawing/2014/main" id="{0099B699-3AAC-986E-95BB-CA2E13FFA9E5}"/>
-              </a:ext>
-            </a:extLst>
-          </p:cNvPr>
-          <p:cNvSpPr txBox="1"/>
-          <p:nvPr/>
-        </p:nvSpPr>
-        <p:spPr>
-          <a:xfrm>
-            <a:off x="612743" y="1337150"/>
-            <a:ext cx="5448692" cy="369332"/>
-          </a:xfrm>
-          <a:prstGeom prst="rect">
-            <a:avLst/>
-          </a:prstGeom>
-          <a:noFill/>
-        </p:spPr>
-        <p:txBody>
-          <a:bodyPr wrap="square">
-            <a:spAutoFit/>
-          </a:bodyPr>
-          <a:lstStyle/>
-          <a:p>
-            <a:endParaRPr lang="de-DE" dirty="0"/>
-          </a:p>
-        </p:txBody>
-      </p:sp>
-      <p:sp>
-        <p:nvSpPr>
-          <p:cNvPr id="3" name="Rechteck 2">
-            <a:extLst>
-              <a:ext uri="{FF2B5EF4-FFF2-40B4-BE49-F238E27FC236}">
-                <a16:creationId xmlns:a16="http://schemas.microsoft.com/office/drawing/2014/main" id="{2FDB59A7-A0DB-F621-4B4E-5C6655C7418C}"/>
-              </a:ext>
-            </a:extLst>
-          </p:cNvPr>
-          <p:cNvSpPr/>
-          <p:nvPr/>
-        </p:nvSpPr>
-        <p:spPr>
-          <a:xfrm>
-            <a:off x="3287950" y="1215935"/>
-            <a:ext cx="2822623" cy="3336992"/>
-          </a:xfrm>
-          <a:prstGeom prst="rect">
-            <a:avLst/>
-          </a:prstGeom>
-          <a:solidFill>
-            <a:schemeClr val="accent5"/>
-          </a:solidFill>
-          <a:ln>
-            <a:noFill/>
-          </a:ln>
-        </p:spPr>
-        <p:style>
-          <a:lnRef idx="2">
-            <a:schemeClr val="accent1">
-              <a:shade val="50000"/>
-            </a:schemeClr>
-          </a:lnRef>
-          <a:fillRef idx="1">
-            <a:schemeClr val="accent1"/>
-          </a:fillRef>
-          <a:effectRef idx="0">
-            <a:schemeClr val="accent1"/>
-          </a:effectRef>
-          <a:fontRef idx="minor">
-            <a:schemeClr val="lt1"/>
-          </a:fontRef>
-        </p:style>
-        <p:txBody>
-          <a:bodyPr rtlCol="0" anchor="t"/>
-          <a:lstStyle/>
-          <a:p>
-            <a:pPr algn="ctr"/>
-            <a:r>
-              <a:rPr lang="de-CH" b="0" i="0" dirty="0" err="1">
-                <a:solidFill>
-                  <a:srgbClr val="333333"/>
-                </a:solidFill>
-                <a:effectLst/>
-                <a:latin typeface="Public Sans"/>
-              </a:rPr>
-              <a:t>Umbrella</a:t>
-            </a:r>
-            <a:r>
-              <a:rPr lang="de-CH" b="0" i="0" dirty="0">
-                <a:solidFill>
-                  <a:srgbClr val="333333"/>
-                </a:solidFill>
-                <a:effectLst/>
-                <a:latin typeface="Public Sans"/>
-              </a:rPr>
-              <a:t> Chart</a:t>
-            </a:r>
-          </a:p>
-          <a:p>
-            <a:pPr algn="ctr"/>
-            <a:r>
-              <a:rPr lang="de-CH" dirty="0">
-                <a:solidFill>
-                  <a:srgbClr val="333333"/>
-                </a:solidFill>
-                <a:latin typeface="Public Sans"/>
-              </a:rPr>
-              <a:t>=</a:t>
-            </a:r>
-          </a:p>
-          <a:p>
-            <a:pPr algn="ctr"/>
-            <a:r>
-              <a:rPr lang="de-CH" b="0" i="0" dirty="0">
-                <a:solidFill>
-                  <a:srgbClr val="333333"/>
-                </a:solidFill>
-                <a:effectLst/>
-                <a:latin typeface="Public Sans"/>
-              </a:rPr>
-              <a:t>X </a:t>
-            </a:r>
-            <a:r>
-              <a:rPr lang="de-CH" b="0" i="0" dirty="0" err="1">
-                <a:solidFill>
-                  <a:srgbClr val="333333"/>
-                </a:solidFill>
-                <a:effectLst/>
-                <a:latin typeface="Public Sans"/>
-              </a:rPr>
-              <a:t>Applications</a:t>
-            </a:r>
-            <a:endParaRPr lang="de-CH" b="0" i="0" dirty="0">
-              <a:solidFill>
-                <a:srgbClr val="333333"/>
-              </a:solidFill>
-              <a:effectLst/>
-              <a:latin typeface="Public Sans"/>
-            </a:endParaRPr>
-          </a:p>
-          <a:p>
-            <a:pPr algn="ctr"/>
-            <a:endParaRPr lang="de-CH" b="0" i="0" dirty="0">
-              <a:solidFill>
-                <a:srgbClr val="333333"/>
-              </a:solidFill>
-              <a:effectLst/>
-              <a:latin typeface="Public Sans"/>
-            </a:endParaRPr>
-          </a:p>
-          <a:p>
-            <a:pPr algn="ctr"/>
-            <a:r>
-              <a:rPr lang="de-CH" dirty="0">
-                <a:solidFill>
-                  <a:srgbClr val="333333"/>
-                </a:solidFill>
-                <a:latin typeface="Public Sans"/>
-              </a:rPr>
-              <a:t>Can also update </a:t>
-            </a:r>
-            <a:r>
-              <a:rPr lang="de-CH" dirty="0" err="1">
-                <a:solidFill>
-                  <a:srgbClr val="333333"/>
-                </a:solidFill>
-                <a:latin typeface="Public Sans"/>
-              </a:rPr>
-              <a:t>the</a:t>
-            </a:r>
-            <a:r>
-              <a:rPr lang="de-CH" dirty="0">
-                <a:solidFill>
-                  <a:srgbClr val="333333"/>
-                </a:solidFill>
-                <a:latin typeface="Public Sans"/>
-              </a:rPr>
-              <a:t> </a:t>
-            </a:r>
-            <a:r>
-              <a:rPr lang="de-CH" dirty="0" err="1">
-                <a:solidFill>
-                  <a:srgbClr val="333333"/>
-                </a:solidFill>
-                <a:latin typeface="Public Sans"/>
-              </a:rPr>
-              <a:t>values</a:t>
-            </a:r>
-            <a:r>
-              <a:rPr lang="de-CH" dirty="0">
-                <a:solidFill>
-                  <a:srgbClr val="333333"/>
-                </a:solidFill>
-                <a:latin typeface="Public Sans"/>
-              </a:rPr>
-              <a:t> </a:t>
-            </a:r>
-            <a:r>
-              <a:rPr lang="de-CH" dirty="0" err="1">
-                <a:solidFill>
-                  <a:srgbClr val="333333"/>
-                </a:solidFill>
-                <a:latin typeface="Public Sans"/>
-              </a:rPr>
-              <a:t>of</a:t>
-            </a:r>
-            <a:r>
-              <a:rPr lang="de-CH" dirty="0">
-                <a:solidFill>
-                  <a:srgbClr val="333333"/>
-                </a:solidFill>
-                <a:latin typeface="Public Sans"/>
-              </a:rPr>
-              <a:t> </a:t>
-            </a:r>
-            <a:r>
-              <a:rPr lang="de-CH" dirty="0" err="1">
-                <a:solidFill>
-                  <a:srgbClr val="333333"/>
-                </a:solidFill>
-                <a:latin typeface="Public Sans"/>
-              </a:rPr>
-              <a:t>it´s</a:t>
-            </a:r>
-            <a:r>
-              <a:rPr lang="de-CH" dirty="0">
-                <a:solidFill>
-                  <a:srgbClr val="333333"/>
-                </a:solidFill>
-                <a:latin typeface="Public Sans"/>
-              </a:rPr>
-              <a:t> </a:t>
-            </a:r>
-            <a:r>
-              <a:rPr lang="de-CH" dirty="0" err="1">
-                <a:solidFill>
-                  <a:srgbClr val="333333"/>
-                </a:solidFill>
-                <a:latin typeface="Public Sans"/>
-              </a:rPr>
-              <a:t>subcharts</a:t>
-            </a:r>
-            <a:endParaRPr lang="de-CH" dirty="0">
-              <a:solidFill>
-                <a:srgbClr val="333333"/>
-              </a:solidFill>
-              <a:latin typeface="Public Sans"/>
-            </a:endParaRPr>
-          </a:p>
-          <a:p>
-            <a:pPr algn="ctr"/>
-            <a:endParaRPr lang="de-CH" b="0" i="0" dirty="0">
-              <a:solidFill>
-                <a:srgbClr val="333333"/>
-              </a:solidFill>
-              <a:effectLst/>
-              <a:latin typeface="Public Sans"/>
-            </a:endParaRPr>
-          </a:p>
-          <a:p>
-            <a:pPr algn="ctr"/>
-            <a:endParaRPr lang="de-CH" dirty="0">
-              <a:solidFill>
-                <a:srgbClr val="333333"/>
-              </a:solidFill>
-              <a:latin typeface="Public Sans"/>
-            </a:endParaRPr>
-          </a:p>
-          <a:p>
-            <a:pPr algn="ctr"/>
-            <a:endParaRPr lang="de-CH" b="0" i="0" dirty="0">
-              <a:solidFill>
-                <a:srgbClr val="333333"/>
-              </a:solidFill>
-              <a:effectLst/>
-              <a:latin typeface="Public Sans"/>
-            </a:endParaRPr>
-          </a:p>
-        </p:txBody>
-      </p:sp>
-      <p:sp>
-        <p:nvSpPr>
-          <p:cNvPr id="4" name="Rechteck 3">
-            <a:extLst>
-              <a:ext uri="{FF2B5EF4-FFF2-40B4-BE49-F238E27FC236}">
-                <a16:creationId xmlns:a16="http://schemas.microsoft.com/office/drawing/2014/main" id="{638A1F1B-BC5F-10ED-1EE8-C562D5F1E827}"/>
-              </a:ext>
-            </a:extLst>
-          </p:cNvPr>
-          <p:cNvSpPr/>
-          <p:nvPr/>
-        </p:nvSpPr>
-        <p:spPr>
-          <a:xfrm>
-            <a:off x="6221691" y="1215935"/>
-            <a:ext cx="2822623" cy="3336992"/>
-          </a:xfrm>
-          <a:prstGeom prst="rect">
-            <a:avLst/>
-          </a:prstGeom>
-          <a:solidFill>
-            <a:schemeClr val="accent5"/>
-          </a:solidFill>
-          <a:ln>
-            <a:noFill/>
-          </a:ln>
-        </p:spPr>
-        <p:style>
-          <a:lnRef idx="2">
-            <a:schemeClr val="accent1">
-              <a:shade val="50000"/>
-            </a:schemeClr>
-          </a:lnRef>
-          <a:fillRef idx="1">
-            <a:schemeClr val="accent1"/>
-          </a:fillRef>
-          <a:effectRef idx="0">
-            <a:schemeClr val="accent1"/>
-          </a:effectRef>
-          <a:fontRef idx="minor">
-            <a:schemeClr val="lt1"/>
-          </a:fontRef>
-        </p:style>
-        <p:txBody>
-          <a:bodyPr rtlCol="0" anchor="t"/>
-          <a:lstStyle/>
-          <a:p>
-            <a:pPr algn="ctr"/>
-            <a:r>
-              <a:rPr lang="de-CH" b="0" i="0" dirty="0">
-                <a:solidFill>
-                  <a:srgbClr val="333333"/>
-                </a:solidFill>
-                <a:effectLst/>
-                <a:latin typeface="Public Sans"/>
-              </a:rPr>
-              <a:t>Library Chart</a:t>
-            </a:r>
-          </a:p>
-          <a:p>
-            <a:pPr algn="ctr"/>
-            <a:r>
-              <a:rPr lang="de-CH" dirty="0">
-                <a:solidFill>
-                  <a:srgbClr val="333333"/>
-                </a:solidFill>
-                <a:latin typeface="Public Sans"/>
-              </a:rPr>
-              <a:t>=</a:t>
-            </a:r>
-          </a:p>
-          <a:p>
-            <a:pPr algn="ctr"/>
-            <a:r>
-              <a:rPr lang="de-CH" b="0" i="0" dirty="0" err="1">
-                <a:solidFill>
-                  <a:srgbClr val="333333"/>
-                </a:solidFill>
-                <a:effectLst/>
-                <a:latin typeface="Public Sans"/>
-              </a:rPr>
-              <a:t>Contains</a:t>
-            </a:r>
-            <a:r>
-              <a:rPr lang="de-CH" b="0" i="0" dirty="0">
-                <a:solidFill>
-                  <a:srgbClr val="333333"/>
-                </a:solidFill>
-                <a:effectLst/>
-                <a:latin typeface="Public Sans"/>
-              </a:rPr>
-              <a:t> Helper Code</a:t>
-            </a:r>
-          </a:p>
-          <a:p>
-            <a:pPr algn="ctr"/>
-            <a:endParaRPr lang="de-CH" dirty="0">
-              <a:solidFill>
-                <a:srgbClr val="333333"/>
-              </a:solidFill>
-              <a:latin typeface="Public Sans"/>
-            </a:endParaRPr>
-          </a:p>
-          <a:p>
-            <a:pPr algn="ctr"/>
-            <a:r>
-              <a:rPr lang="de-CH" dirty="0" err="1">
-                <a:solidFill>
-                  <a:srgbClr val="333333"/>
-                </a:solidFill>
-                <a:latin typeface="Public Sans"/>
-              </a:rPr>
-              <a:t>Must</a:t>
-            </a:r>
-            <a:r>
-              <a:rPr lang="de-CH" dirty="0">
-                <a:solidFill>
-                  <a:srgbClr val="333333"/>
-                </a:solidFill>
-                <a:latin typeface="Public Sans"/>
-              </a:rPr>
-              <a:t> </a:t>
-            </a:r>
-            <a:r>
-              <a:rPr lang="de-CH" dirty="0" err="1">
-                <a:solidFill>
-                  <a:srgbClr val="333333"/>
-                </a:solidFill>
-                <a:latin typeface="Public Sans"/>
-              </a:rPr>
-              <a:t>be</a:t>
-            </a:r>
-            <a:r>
-              <a:rPr lang="de-CH" dirty="0">
-                <a:solidFill>
-                  <a:srgbClr val="333333"/>
-                </a:solidFill>
-                <a:latin typeface="Public Sans"/>
-              </a:rPr>
-              <a:t> a </a:t>
-            </a:r>
-            <a:r>
-              <a:rPr lang="de-CH" dirty="0" err="1">
-                <a:solidFill>
-                  <a:srgbClr val="333333"/>
-                </a:solidFill>
-                <a:latin typeface="Public Sans"/>
-              </a:rPr>
-              <a:t>dependency</a:t>
-            </a:r>
-            <a:r>
-              <a:rPr lang="de-CH" dirty="0">
-                <a:solidFill>
-                  <a:srgbClr val="333333"/>
-                </a:solidFill>
-                <a:latin typeface="Public Sans"/>
-              </a:rPr>
-              <a:t> </a:t>
-            </a:r>
-            <a:r>
-              <a:rPr lang="de-CH" dirty="0" err="1">
-                <a:solidFill>
-                  <a:srgbClr val="333333"/>
-                </a:solidFill>
-                <a:latin typeface="Public Sans"/>
-              </a:rPr>
-              <a:t>of</a:t>
-            </a:r>
-            <a:r>
-              <a:rPr lang="de-CH" dirty="0">
-                <a:solidFill>
-                  <a:srgbClr val="333333"/>
-                </a:solidFill>
-                <a:latin typeface="Public Sans"/>
-              </a:rPr>
-              <a:t> a </a:t>
-            </a:r>
-            <a:r>
-              <a:rPr lang="de-CH" dirty="0" err="1">
-                <a:solidFill>
-                  <a:srgbClr val="333333"/>
-                </a:solidFill>
-                <a:latin typeface="Public Sans"/>
-              </a:rPr>
-              <a:t>other</a:t>
-            </a:r>
-            <a:r>
-              <a:rPr lang="de-CH" dirty="0">
-                <a:solidFill>
-                  <a:srgbClr val="333333"/>
-                </a:solidFill>
-                <a:latin typeface="Public Sans"/>
-              </a:rPr>
-              <a:t> </a:t>
-            </a:r>
-            <a:r>
-              <a:rPr lang="de-CH" dirty="0" err="1">
-                <a:solidFill>
-                  <a:srgbClr val="333333"/>
-                </a:solidFill>
-                <a:latin typeface="Public Sans"/>
-              </a:rPr>
-              <a:t>chart</a:t>
-            </a:r>
-            <a:endParaRPr lang="de-CH" b="0" i="0" dirty="0">
-              <a:solidFill>
-                <a:srgbClr val="333333"/>
-              </a:solidFill>
-              <a:effectLst/>
-              <a:latin typeface="Public Sans"/>
-            </a:endParaRPr>
-          </a:p>
-        </p:txBody>
-      </p:sp>
-      <p:sp>
-        <p:nvSpPr>
-          <p:cNvPr id="5" name="Rechteck 4">
-            <a:extLst>
-              <a:ext uri="{FF2B5EF4-FFF2-40B4-BE49-F238E27FC236}">
-                <a16:creationId xmlns:a16="http://schemas.microsoft.com/office/drawing/2014/main" id="{AE058BE6-97DE-1BE9-6A76-C178E2DC6BB8}"/>
-              </a:ext>
-            </a:extLst>
-          </p:cNvPr>
-          <p:cNvSpPr/>
-          <p:nvPr/>
-        </p:nvSpPr>
-        <p:spPr>
-          <a:xfrm>
-            <a:off x="1220205" y="3649474"/>
-            <a:ext cx="1090632" cy="556182"/>
-          </a:xfrm>
-          <a:prstGeom prst="rect">
-            <a:avLst/>
-          </a:prstGeom>
-          <a:solidFill>
-            <a:schemeClr val="bg1">
-              <a:lumMod val="65000"/>
-            </a:schemeClr>
-          </a:solidFill>
-          <a:ln>
-            <a:noFill/>
-          </a:ln>
-        </p:spPr>
-        <p:style>
-          <a:lnRef idx="2">
-            <a:schemeClr val="accent1">
-              <a:shade val="50000"/>
-            </a:schemeClr>
-          </a:lnRef>
-          <a:fillRef idx="1">
-            <a:schemeClr val="accent1"/>
-          </a:fillRef>
-          <a:effectRef idx="0">
-            <a:schemeClr val="accent1"/>
-          </a:effectRef>
-          <a:fontRef idx="minor">
-            <a:schemeClr val="lt1"/>
-          </a:fontRef>
-        </p:style>
-        <p:txBody>
-          <a:bodyPr rtlCol="0" anchor="ctr"/>
-          <a:lstStyle/>
-          <a:p>
-            <a:pPr algn="ctr"/>
-            <a:r>
-              <a:rPr lang="de-DE" dirty="0"/>
-              <a:t>App</a:t>
-            </a:r>
-          </a:p>
-        </p:txBody>
-      </p:sp>
-      <p:sp>
-        <p:nvSpPr>
-          <p:cNvPr id="8" name="Rechteck 7">
-            <a:extLst>
-              <a:ext uri="{FF2B5EF4-FFF2-40B4-BE49-F238E27FC236}">
-                <a16:creationId xmlns:a16="http://schemas.microsoft.com/office/drawing/2014/main" id="{7742DE46-6E4D-68C8-D672-7548A7549133}"/>
-              </a:ext>
-            </a:extLst>
-          </p:cNvPr>
-          <p:cNvSpPr/>
-          <p:nvPr/>
-        </p:nvSpPr>
-        <p:spPr>
-          <a:xfrm>
-            <a:off x="3419596" y="3513056"/>
-            <a:ext cx="2514614" cy="829018"/>
-          </a:xfrm>
-          <a:prstGeom prst="rect">
-            <a:avLst/>
-          </a:prstGeom>
-          <a:solidFill>
-            <a:schemeClr val="accent5"/>
-          </a:solidFill>
-          <a:ln>
-            <a:solidFill>
-              <a:schemeClr val="tx1"/>
-            </a:solidFill>
-          </a:ln>
-        </p:spPr>
-        <p:style>
-          <a:lnRef idx="0">
-            <a:scrgbClr r="0" g="0" b="0"/>
-          </a:lnRef>
-          <a:fillRef idx="0">
-            <a:scrgbClr r="0" g="0" b="0"/>
-          </a:fillRef>
-          <a:effectRef idx="0">
-            <a:scrgbClr r="0" g="0" b="0"/>
-          </a:effectRef>
-          <a:fontRef idx="minor">
-            <a:schemeClr val="lt1"/>
-          </a:fontRef>
-        </p:style>
-        <p:txBody>
-          <a:bodyPr rtlCol="0" anchor="ctr"/>
-          <a:lstStyle/>
-          <a:p>
-            <a:pPr algn="ctr"/>
-            <a:endParaRPr lang="de-DE" dirty="0"/>
-          </a:p>
-        </p:txBody>
-      </p:sp>
-      <p:sp>
-        <p:nvSpPr>
-          <p:cNvPr id="6" name="Rechteck 5">
-            <a:extLst>
-              <a:ext uri="{FF2B5EF4-FFF2-40B4-BE49-F238E27FC236}">
-                <a16:creationId xmlns:a16="http://schemas.microsoft.com/office/drawing/2014/main" id="{D27C7D30-485D-3856-7B6C-5D194CC95EE8}"/>
-              </a:ext>
-            </a:extLst>
-          </p:cNvPr>
-          <p:cNvSpPr/>
-          <p:nvPr/>
-        </p:nvSpPr>
-        <p:spPr>
-          <a:xfrm>
-            <a:off x="4754356" y="3649474"/>
-            <a:ext cx="1090632" cy="556182"/>
-          </a:xfrm>
-          <a:prstGeom prst="rect">
-            <a:avLst/>
-          </a:prstGeom>
-          <a:solidFill>
-            <a:schemeClr val="bg1">
-              <a:lumMod val="65000"/>
-            </a:schemeClr>
-          </a:solidFill>
-          <a:ln>
-            <a:noFill/>
-          </a:ln>
-        </p:spPr>
-        <p:style>
-          <a:lnRef idx="2">
-            <a:schemeClr val="accent1">
-              <a:shade val="50000"/>
-            </a:schemeClr>
-          </a:lnRef>
-          <a:fillRef idx="1">
-            <a:schemeClr val="accent1"/>
-          </a:fillRef>
-          <a:effectRef idx="0">
-            <a:schemeClr val="accent1"/>
-          </a:effectRef>
-          <a:fontRef idx="minor">
-            <a:schemeClr val="lt1"/>
-          </a:fontRef>
-        </p:style>
-        <p:txBody>
-          <a:bodyPr rtlCol="0" anchor="ctr"/>
-          <a:lstStyle/>
-          <a:p>
-            <a:pPr algn="ctr"/>
-            <a:r>
-              <a:rPr lang="de-DE" dirty="0"/>
-              <a:t>SQL-DB</a:t>
-            </a:r>
-          </a:p>
-        </p:txBody>
-      </p:sp>
-      <p:sp>
-        <p:nvSpPr>
-          <p:cNvPr id="7" name="Rechteck 6">
-            <a:extLst>
-              <a:ext uri="{FF2B5EF4-FFF2-40B4-BE49-F238E27FC236}">
-                <a16:creationId xmlns:a16="http://schemas.microsoft.com/office/drawing/2014/main" id="{6B3E7E49-FF3E-BCF2-076A-605EF1D469B7}"/>
-              </a:ext>
-            </a:extLst>
-          </p:cNvPr>
-          <p:cNvSpPr/>
-          <p:nvPr/>
-        </p:nvSpPr>
-        <p:spPr>
-          <a:xfrm>
-            <a:off x="3574503" y="3649474"/>
-            <a:ext cx="1090632" cy="556182"/>
-          </a:xfrm>
-          <a:prstGeom prst="rect">
-            <a:avLst/>
-          </a:prstGeom>
-          <a:solidFill>
-            <a:schemeClr val="bg1">
-              <a:lumMod val="65000"/>
-            </a:schemeClr>
-          </a:solidFill>
-          <a:ln>
-            <a:noFill/>
-          </a:ln>
-        </p:spPr>
-        <p:style>
-          <a:lnRef idx="2">
-            <a:schemeClr val="accent1">
-              <a:shade val="50000"/>
-            </a:schemeClr>
-          </a:lnRef>
-          <a:fillRef idx="1">
-            <a:schemeClr val="accent1"/>
-          </a:fillRef>
-          <a:effectRef idx="0">
-            <a:schemeClr val="accent1"/>
-          </a:effectRef>
-          <a:fontRef idx="minor">
-            <a:schemeClr val="lt1"/>
-          </a:fontRef>
-        </p:style>
-        <p:txBody>
-          <a:bodyPr rtlCol="0" anchor="ctr"/>
-          <a:lstStyle/>
-          <a:p>
-            <a:pPr algn="ctr"/>
-            <a:r>
-              <a:rPr lang="de-DE" dirty="0"/>
-              <a:t>App</a:t>
-            </a:r>
-          </a:p>
-        </p:txBody>
-      </p:sp>
-    </p:spTree>
-    <p:custDataLst>
-      <p:tags r:id="rId1"/>
-    </p:custDataLst>
-    <p:extLst>
-      <p:ext uri="{BB962C8B-B14F-4D97-AF65-F5344CB8AC3E}">
-        <p14:creationId xmlns:p14="http://schemas.microsoft.com/office/powerpoint/2010/main" val="1208776268"/>
-      </p:ext>
-    </p:extLst>
-  </p:cSld>
-  <p:clrMapOvr>
-    <a:masterClrMapping/>
-  </p:clrMapOvr>
-</p:sld>
-</file>
-
-<file path=ppt/slides/slide28.xml><?xml version="1.0" encoding="utf-8"?>
-<p:sld xmlns:a="http://schemas.openxmlformats.org/drawingml/2006/main" xmlns:r="http://schemas.openxmlformats.org/officeDocument/2006/relationships" xmlns:p="http://schemas.openxmlformats.org/presentationml/2006/main">
-  <p:cSld>
-    <p:spTree>
-      <p:nvGrpSpPr>
-        <p:cNvPr id="1" name=""/>
-        <p:cNvGrpSpPr/>
-        <p:nvPr/>
-      </p:nvGrpSpPr>
-      <p:grpSpPr>
-        <a:xfrm>
-          <a:off x="0" y="0"/>
-          <a:ext cx="0" cy="0"/>
-          <a:chOff x="0" y="0"/>
-          <a:chExt cx="0" cy="0"/>
-        </a:xfrm>
-      </p:grpSpPr>
       <p:sp>
         <p:nvSpPr>
           <p:cNvPr id="9" name="Textfeld 8">
@@ -45211,30 +41400,6 @@
 </file>
 
 <file path=ppt/tags/tag20.xml><?xml version="1.0" encoding="utf-8"?>
-<p:tagLst xmlns:a="http://schemas.openxmlformats.org/drawingml/2006/main" xmlns:r="http://schemas.openxmlformats.org/officeDocument/2006/relationships" xmlns:p="http://schemas.openxmlformats.org/presentationml/2006/main">
-  <p:tag name="OFFISYNC_SLIDE_GUID" val="c173fe11-ab39-40f2-9396-c7738e84e984"/>
-</p:tagLst>
-</file>
-
-<file path=ppt/tags/tag21.xml><?xml version="1.0" encoding="utf-8"?>
-<p:tagLst xmlns:a="http://schemas.openxmlformats.org/drawingml/2006/main" xmlns:r="http://schemas.openxmlformats.org/officeDocument/2006/relationships" xmlns:p="http://schemas.openxmlformats.org/presentationml/2006/main">
-  <p:tag name="OFFISYNC_SLIDE_GUID" val="c173fe11-ab39-40f2-9396-c7738e84e984"/>
-</p:tagLst>
-</file>
-
-<file path=ppt/tags/tag22.xml><?xml version="1.0" encoding="utf-8"?>
-<p:tagLst xmlns:a="http://schemas.openxmlformats.org/drawingml/2006/main" xmlns:r="http://schemas.openxmlformats.org/officeDocument/2006/relationships" xmlns:p="http://schemas.openxmlformats.org/presentationml/2006/main">
-  <p:tag name="OFFISYNC_SLIDE_GUID" val="c173fe11-ab39-40f2-9396-c7738e84e984"/>
-</p:tagLst>
-</file>
-
-<file path=ppt/tags/tag23.xml><?xml version="1.0" encoding="utf-8"?>
-<p:tagLst xmlns:a="http://schemas.openxmlformats.org/drawingml/2006/main" xmlns:r="http://schemas.openxmlformats.org/officeDocument/2006/relationships" xmlns:p="http://schemas.openxmlformats.org/presentationml/2006/main">
-  <p:tag name="OFFISYNC_SLIDE_GUID" val="c173fe11-ab39-40f2-9396-c7738e84e984"/>
-</p:tagLst>
-</file>
-
-<file path=ppt/tags/tag24.xml><?xml version="1.0" encoding="utf-8"?>
 <p:tagLst xmlns:a="http://schemas.openxmlformats.org/drawingml/2006/main" xmlns:r="http://schemas.openxmlformats.org/officeDocument/2006/relationships" xmlns:p="http://schemas.openxmlformats.org/presentationml/2006/main">
   <p:tag name="OFFISYNC_SLIDE_GUID" val="c173fe11-ab39-40f2-9396-c7738e84e984"/>
 </p:tagLst>
@@ -46084,15 +42249,6 @@
 
 <file path=customXml/item1.xml><?xml version="1.0" encoding="utf-8"?>
 <?mso-contentType ?>
-<FormTemplates xmlns="http://schemas.microsoft.com/sharepoint/v3/contenttype/forms">
-  <Display>DocumentLibraryForm</Display>
-  <Edit>DocumentLibraryForm</Edit>
-  <New>DocumentLibraryForm</New>
-</FormTemplates>
-</file>
-
-<file path=customXml/item2.xml><?xml version="1.0" encoding="utf-8"?>
-<?mso-contentType ?>
 <spe:Receivers xmlns:spe="http://schemas.microsoft.com/sharepoint/events">
   <Receiver>
     <Name>Document ID Generator</Name>
@@ -46141,39 +42297,16 @@
 </spe:Receivers>
 </file>
 
-<file path=customXml/item3.xml><?xml version="1.0" encoding="utf-8"?>
-<p:properties xmlns:p="http://schemas.microsoft.com/office/2006/metadata/properties" xmlns:xsi="http://www.w3.org/2001/XMLSchema-instance" xmlns:pc="http://schemas.microsoft.com/office/infopath/2007/PartnerControls">
-  <documentManagement>
-    <_dlc_DocId xmlns="a1e95efe-86df-4da3-b0c8-298cdda2dfd0">SFQ4MUDRKEP5-84763580-1265</_dlc_DocId>
-    <_dlc_DocIdUrl xmlns="a1e95efe-86df-4da3-b0c8-298cdda2dfd0">
-      <Url>https://ti8mad.sharepoint.com/sites/BidOffice/_layouts/15/DocIdRedir.aspx?ID=SFQ4MUDRKEP5-84763580-1265</Url>
-      <Description>SFQ4MUDRKEP5-84763580-1265</Description>
-    </_dlc_DocIdUrl>
-    <Categories xmlns="ddb30763-e857-4b34-a181-999444e36217">
-      <Value>PowerPoint</Value>
-    </Categories>
-    <Tags xmlns="ddb30763-e857-4b34-a181-999444e36217">
-      <Value>powerpoint</Value>
-      <Value>master</Value>
-      <Value>folienmaster</Value>
-    </Tags>
-    <_dlc_DocIdPersistId xmlns="a1e95efe-86df-4da3-b0c8-298cdda2dfd0">false</_dlc_DocIdPersistId>
-    <TaxCatchAll xmlns="a1e95efe-86df-4da3-b0c8-298cdda2dfd0" xsi:nil="true"/>
-    <lcf76f155ced4ddcb4097134ff3c332f xmlns="ddb30763-e857-4b34-a181-999444e36217">
-      <Terms xmlns="http://schemas.microsoft.com/office/infopath/2007/PartnerControls"/>
-    </lcf76f155ced4ddcb4097134ff3c332f>
-    <SharedWithUsers xmlns="a1e95efe-86df-4da3-b0c8-298cdda2dfd0">
-      <UserInfo>
-        <DisplayName>Bornand Dominik</DisplayName>
-        <AccountId>591</AccountId>
-        <AccountType/>
-      </UserInfo>
-    </SharedWithUsers>
-  </documentManagement>
-</p:properties>
+<file path=customXml/item2.xml><?xml version="1.0" encoding="utf-8"?>
+<?mso-contentType ?>
+<FormTemplates xmlns="http://schemas.microsoft.com/sharepoint/v3/contenttype/forms">
+  <Display>DocumentLibraryForm</Display>
+  <Edit>DocumentLibraryForm</Edit>
+  <New>DocumentLibraryForm</New>
+</FormTemplates>
 </file>
 
-<file path=customXml/item4.xml><?xml version="1.0" encoding="utf-8"?>
+<file path=customXml/item3.xml><?xml version="1.0" encoding="utf-8"?>
 <ct:contentTypeSchema xmlns:ct="http://schemas.microsoft.com/office/2006/metadata/contentType" xmlns:ma="http://schemas.microsoft.com/office/2006/metadata/properties/metaAttributes" ct:_="" ma:_="" ma:contentTypeName="Document" ma:contentTypeID="0x010100BBACDC70EE213542A780121310F90B4D" ma:contentTypeVersion="19" ma:contentTypeDescription="Create a new document." ma:contentTypeScope="" ma:versionID="96a4cddeaed2fbc04d3dbf2536d6d027">
   <xsd:schema xmlns:xsd="http://www.w3.org/2001/XMLSchema" xmlns:xs="http://www.w3.org/2001/XMLSchema" xmlns:p="http://schemas.microsoft.com/office/2006/metadata/properties" xmlns:ns2="ddb30763-e857-4b34-a181-999444e36217" xmlns:ns3="a1e95efe-86df-4da3-b0c8-298cdda2dfd0" targetNamespace="http://schemas.microsoft.com/office/2006/metadata/properties" ma:root="true" ma:fieldsID="1bd6a94246a471a0fd6d21d9cd3faee5" ns2:_="" ns3:_="">
     <xsd:import namespace="ddb30763-e857-4b34-a181-999444e36217"/>
@@ -46488,7 +42621,47 @@
 </ct:contentTypeSchema>
 </file>
 
+<file path=customXml/item4.xml><?xml version="1.0" encoding="utf-8"?>
+<p:properties xmlns:p="http://schemas.microsoft.com/office/2006/metadata/properties" xmlns:xsi="http://www.w3.org/2001/XMLSchema-instance" xmlns:pc="http://schemas.microsoft.com/office/infopath/2007/PartnerControls">
+  <documentManagement>
+    <_dlc_DocId xmlns="a1e95efe-86df-4da3-b0c8-298cdda2dfd0">SFQ4MUDRKEP5-84763580-1265</_dlc_DocId>
+    <_dlc_DocIdUrl xmlns="a1e95efe-86df-4da3-b0c8-298cdda2dfd0">
+      <Url>https://ti8mad.sharepoint.com/sites/BidOffice/_layouts/15/DocIdRedir.aspx?ID=SFQ4MUDRKEP5-84763580-1265</Url>
+      <Description>SFQ4MUDRKEP5-84763580-1265</Description>
+    </_dlc_DocIdUrl>
+    <Categories xmlns="ddb30763-e857-4b34-a181-999444e36217">
+      <Value>PowerPoint</Value>
+    </Categories>
+    <Tags xmlns="ddb30763-e857-4b34-a181-999444e36217">
+      <Value>powerpoint</Value>
+      <Value>master</Value>
+      <Value>folienmaster</Value>
+    </Tags>
+    <_dlc_DocIdPersistId xmlns="a1e95efe-86df-4da3-b0c8-298cdda2dfd0">false</_dlc_DocIdPersistId>
+    <TaxCatchAll xmlns="a1e95efe-86df-4da3-b0c8-298cdda2dfd0" xsi:nil="true"/>
+    <lcf76f155ced4ddcb4097134ff3c332f xmlns="ddb30763-e857-4b34-a181-999444e36217">
+      <Terms xmlns="http://schemas.microsoft.com/office/infopath/2007/PartnerControls"/>
+    </lcf76f155ced4ddcb4097134ff3c332f>
+    <SharedWithUsers xmlns="a1e95efe-86df-4da3-b0c8-298cdda2dfd0">
+      <UserInfo>
+        <DisplayName>Bornand Dominik</DisplayName>
+        <AccountId>591</AccountId>
+        <AccountType/>
+      </UserInfo>
+    </SharedWithUsers>
+  </documentManagement>
+</p:properties>
+</file>
+
 <file path=customXml/itemProps1.xml><?xml version="1.0" encoding="utf-8"?>
+<ds:datastoreItem xmlns:ds="http://schemas.openxmlformats.org/officeDocument/2006/customXml" ds:itemID="{AE97A0A0-4B8D-4C93-A874-3FB0BBB67E77}">
+  <ds:schemaRefs>
+    <ds:schemaRef ds:uri="http://schemas.microsoft.com/sharepoint/events"/>
+  </ds:schemaRefs>
+</ds:datastoreItem>
+</file>
+
+<file path=customXml/itemProps2.xml><?xml version="1.0" encoding="utf-8"?>
 <ds:datastoreItem xmlns:ds="http://schemas.openxmlformats.org/officeDocument/2006/customXml" ds:itemID="{2509DFEA-98E1-49F0-A887-A781A3FDE304}">
   <ds:schemaRefs>
     <ds:schemaRef ds:uri="http://schemas.microsoft.com/sharepoint/v3/contenttype/forms"/>
@@ -46496,32 +42669,7 @@
 </ds:datastoreItem>
 </file>
 
-<file path=customXml/itemProps2.xml><?xml version="1.0" encoding="utf-8"?>
-<ds:datastoreItem xmlns:ds="http://schemas.openxmlformats.org/officeDocument/2006/customXml" ds:itemID="{AE97A0A0-4B8D-4C93-A874-3FB0BBB67E77}">
-  <ds:schemaRefs>
-    <ds:schemaRef ds:uri="http://schemas.microsoft.com/sharepoint/events"/>
-  </ds:schemaRefs>
-</ds:datastoreItem>
-</file>
-
 <file path=customXml/itemProps3.xml><?xml version="1.0" encoding="utf-8"?>
-<ds:datastoreItem xmlns:ds="http://schemas.openxmlformats.org/officeDocument/2006/customXml" ds:itemID="{B0EE8353-6B2C-49A7-B208-EC152BAD6F4A}">
-  <ds:schemaRefs>
-    <ds:schemaRef ds:uri="a1e95efe-86df-4da3-b0c8-298cdda2dfd0"/>
-    <ds:schemaRef ds:uri="http://schemas.microsoft.com/office/2006/documentManagement/types"/>
-    <ds:schemaRef ds:uri="http://purl.org/dc/elements/1.1/"/>
-    <ds:schemaRef ds:uri="http://purl.org/dc/dcmitype/"/>
-    <ds:schemaRef ds:uri="http://schemas.microsoft.com/office/2006/metadata/properties"/>
-    <ds:schemaRef ds:uri="ddb30763-e857-4b34-a181-999444e36217"/>
-    <ds:schemaRef ds:uri="http://schemas.microsoft.com/office/infopath/2007/PartnerControls"/>
-    <ds:schemaRef ds:uri="http://schemas.openxmlformats.org/package/2006/metadata/core-properties"/>
-    <ds:schemaRef ds:uri="http://www.w3.org/XML/1998/namespace"/>
-    <ds:schemaRef ds:uri="http://purl.org/dc/terms/"/>
-  </ds:schemaRefs>
-</ds:datastoreItem>
-</file>
-
-<file path=customXml/itemProps4.xml><?xml version="1.0" encoding="utf-8"?>
 <ds:datastoreItem xmlns:ds="http://schemas.openxmlformats.org/officeDocument/2006/customXml" ds:itemID="{1A2A04D5-A070-4B0F-B056-1584D7321317}">
   <ds:schemaRefs>
     <ds:schemaRef ds:uri="http://schemas.microsoft.com/office/2006/metadata/contentType"/>
@@ -46538,4 +42686,21 @@
     <ds:schemaRef ds:uri="http://schemas.microsoft.com/internal/obd"/>
   </ds:schemaRefs>
 </ds:datastoreItem>
+</file>
+
+<file path=customXml/itemProps4.xml><?xml version="1.0" encoding="utf-8"?>
+<ds:datastoreItem xmlns:ds="http://schemas.openxmlformats.org/officeDocument/2006/customXml" ds:itemID="{B0EE8353-6B2C-49A7-B208-EC152BAD6F4A}">
+  <ds:schemaRefs>
+    <ds:schemaRef ds:uri="a1e95efe-86df-4da3-b0c8-298cdda2dfd0"/>
+    <ds:schemaRef ds:uri="http://schemas.microsoft.com/office/2006/documentManagement/types"/>
+    <ds:schemaRef ds:uri="http://purl.org/dc/elements/1.1/"/>
+    <ds:schemaRef ds:uri="http://purl.org/dc/dcmitype/"/>
+    <ds:schemaRef ds:uri="http://schemas.microsoft.com/office/2006/metadata/properties"/>
+    <ds:schemaRef ds:uri="ddb30763-e857-4b34-a181-999444e36217"/>
+    <ds:schemaRef ds:uri="http://schemas.microsoft.com/office/infopath/2007/PartnerControls"/>
+    <ds:schemaRef ds:uri="http://schemas.openxmlformats.org/package/2006/metadata/core-properties"/>
+    <ds:schemaRef ds:uri="http://www.w3.org/XML/1998/namespace"/>
+    <ds:schemaRef ds:uri="http://purl.org/dc/terms/"/>
+  </ds:schemaRefs>
+</ds:datastoreItem>
 </file>